--- a/PPT/BigMart Sales Prediction.pptx
+++ b/PPT/BigMart Sales Prediction.pptx
@@ -5,7 +5,7 @@
     <p:sldMasterId id="2147483648" r:id="rId4"/>
   </p:sldMasterIdLst>
   <p:notesMasterIdLst>
-    <p:notesMasterId r:id="rId22"/>
+    <p:notesMasterId r:id="rId25"/>
   </p:notesMasterIdLst>
   <p:sldIdLst>
     <p:sldId id="256" r:id="rId5"/>
@@ -13,18 +13,21 @@
     <p:sldId id="276" r:id="rId7"/>
     <p:sldId id="279" r:id="rId8"/>
     <p:sldId id="277" r:id="rId9"/>
-    <p:sldId id="280" r:id="rId10"/>
-    <p:sldId id="284" r:id="rId11"/>
-    <p:sldId id="283" r:id="rId12"/>
-    <p:sldId id="285" r:id="rId13"/>
-    <p:sldId id="286" r:id="rId14"/>
-    <p:sldId id="287" r:id="rId15"/>
-    <p:sldId id="291" r:id="rId16"/>
-    <p:sldId id="288" r:id="rId17"/>
-    <p:sldId id="289" r:id="rId18"/>
-    <p:sldId id="290" r:id="rId19"/>
-    <p:sldId id="258" r:id="rId20"/>
-    <p:sldId id="275" r:id="rId21"/>
+    <p:sldId id="293" r:id="rId10"/>
+    <p:sldId id="280" r:id="rId11"/>
+    <p:sldId id="284" r:id="rId12"/>
+    <p:sldId id="283" r:id="rId13"/>
+    <p:sldId id="285" r:id="rId14"/>
+    <p:sldId id="286" r:id="rId15"/>
+    <p:sldId id="287" r:id="rId16"/>
+    <p:sldId id="291" r:id="rId17"/>
+    <p:sldId id="288" r:id="rId18"/>
+    <p:sldId id="289" r:id="rId19"/>
+    <p:sldId id="294" r:id="rId20"/>
+    <p:sldId id="290" r:id="rId21"/>
+    <p:sldId id="292" r:id="rId22"/>
+    <p:sldId id="258" r:id="rId23"/>
+    <p:sldId id="275" r:id="rId24"/>
   </p:sldIdLst>
   <p:sldSz cx="12192000" cy="6858000"/>
   <p:notesSz cx="6858000" cy="9144000"/>
@@ -225,7 +228,7 @@
           <a:p>
             <a:fld id="{7487ADD9-2083-264C-A652-8D52D02F7E72}" type="datetimeFigureOut">
               <a:rPr lang="en-US" smtClean="0"/>
-              <a:t>3/11/2022</a:t>
+              <a:t>3/12/2022</a:t>
             </a:fld>
             <a:endParaRPr lang="en-US" dirty="0"/>
           </a:p>
@@ -1882,7 +1885,7 @@
             <a:fld id="{5F02DCD1-2C6B-F948-9F72-3BB0CF3D512E}" type="datetime1">
               <a:rPr lang="en-US" smtClean="0"/>
               <a:pPr/>
-              <a:t>3/11/2022</a:t>
+              <a:t>3/12/2022</a:t>
             </a:fld>
             <a:endParaRPr lang="en-US" dirty="0"/>
           </a:p>
@@ -2767,7 +2770,7 @@
             <a:fld id="{C1583C39-01BF-7F43-854C-FBB4E9AB6B0C}" type="datetime1">
               <a:rPr lang="en-US" smtClean="0"/>
               <a:pPr/>
-              <a:t>3/11/2022</a:t>
+              <a:t>3/12/2022</a:t>
             </a:fld>
             <a:endParaRPr lang="en-US" dirty="0"/>
           </a:p>
@@ -3944,7 +3947,7 @@
             <a:fld id="{4B103E64-1627-9140-8127-1849FED275E1}" type="datetime1">
               <a:rPr lang="en-US" smtClean="0"/>
               <a:pPr/>
-              <a:t>3/11/2022</a:t>
+              <a:t>3/12/2022</a:t>
             </a:fld>
             <a:endParaRPr lang="en-US" dirty="0"/>
           </a:p>
@@ -6024,7 +6027,7 @@
             <a:fld id="{DD9C8446-696E-6942-B6C8-CC9CAD0B34E0}" type="datetime1">
               <a:rPr lang="en-US" smtClean="0"/>
               <a:pPr/>
-              <a:t>3/11/2022</a:t>
+              <a:t>3/12/2022</a:t>
             </a:fld>
             <a:endParaRPr lang="en-US" dirty="0"/>
           </a:p>
@@ -6742,7 +6745,7 @@
             <a:fld id="{F5592931-05C6-8543-8B6E-A8BD29BD5C2B}" type="datetime1">
               <a:rPr lang="en-US" smtClean="0"/>
               <a:pPr/>
-              <a:t>3/11/2022</a:t>
+              <a:t>3/12/2022</a:t>
             </a:fld>
             <a:endParaRPr lang="en-US" dirty="0"/>
           </a:p>
@@ -7970,7 +7973,7 @@
             <a:fld id="{7E7AB22C-8B7E-9B4A-8C65-396C3C874D86}" type="datetime1">
               <a:rPr lang="en-US" smtClean="0"/>
               <a:pPr/>
-              <a:t>3/11/2022</a:t>
+              <a:t>3/12/2022</a:t>
             </a:fld>
             <a:endParaRPr lang="en-US" dirty="0"/>
           </a:p>
@@ -8562,7 +8565,7 @@
             <a:fld id="{8CE9AC2A-20AD-8C48-B5EB-B5322BDBCDEE}" type="datetime1">
               <a:rPr lang="en-US" smtClean="0"/>
               <a:pPr/>
-              <a:t>3/11/2022</a:t>
+              <a:t>3/12/2022</a:t>
             </a:fld>
             <a:endParaRPr lang="en-US" dirty="0"/>
           </a:p>
@@ -9035,7 +9038,7 @@
             <a:fld id="{4CF75428-5BE0-934D-BB71-675F8E23A386}" type="datetime1">
               <a:rPr lang="en-US" smtClean="0"/>
               <a:pPr/>
-              <a:t>3/11/2022</a:t>
+              <a:t>3/12/2022</a:t>
             </a:fld>
             <a:endParaRPr lang="en-US" dirty="0"/>
           </a:p>
@@ -9885,7 +9888,7 @@
             <a:fld id="{9A85C5CA-AE29-AB4C-8F85-0373C72001D8}" type="datetime1">
               <a:rPr lang="en-US" smtClean="0"/>
               <a:pPr/>
-              <a:t>3/11/2022</a:t>
+              <a:t>3/12/2022</a:t>
             </a:fld>
             <a:endParaRPr lang="en-US" dirty="0"/>
           </a:p>
@@ -12110,7 +12113,7 @@
             <a:fld id="{75594855-01E8-5A4B-B2B8-E2ECEF879100}" type="datetime1">
               <a:rPr lang="en-US" smtClean="0"/>
               <a:pPr/>
-              <a:t>3/11/2022</a:t>
+              <a:t>3/12/2022</a:t>
             </a:fld>
             <a:endParaRPr lang="en-US" dirty="0"/>
           </a:p>
@@ -12379,7 +12382,7 @@
             <a:fld id="{B562DF68-3089-814D-8A14-C651FE91885E}" type="datetime1">
               <a:rPr lang="en-US" smtClean="0"/>
               <a:pPr/>
-              <a:t>3/11/2022</a:t>
+              <a:t>3/12/2022</a:t>
             </a:fld>
             <a:endParaRPr lang="en-US" dirty="0"/>
           </a:p>
@@ -13002,7 +13005,7 @@
           <p:cNvPr id="2" name="Title 1">
             <a:extLst>
               <a:ext uri="{FF2B5EF4-FFF2-40B4-BE49-F238E27FC236}">
-                <a16:creationId xmlns:a16="http://schemas.microsoft.com/office/drawing/2014/main" id="{24288254-9D75-40E4-AC54-14981B545FD8}"/>
+                <a16:creationId xmlns:a16="http://schemas.microsoft.com/office/drawing/2014/main" id="{239680CD-FF10-4BC0-A1ED-8332D89AB823}"/>
               </a:ext>
             </a:extLst>
           </p:cNvPr>
@@ -13020,27 +13023,55 @@
           <a:p>
             <a:r>
               <a:rPr lang="en-US" dirty="0"/>
-              <a:t>Label Encoding</a:t>
+              <a:t>Handling Null Values</a:t>
             </a:r>
             <a:endParaRPr lang="en-IN" dirty="0"/>
+          </a:p>
+        </p:txBody>
+      </p:sp>
+      <p:sp>
+        <p:nvSpPr>
+          <p:cNvPr id="6" name="Slide Number Placeholder 5">
+            <a:extLst>
+              <a:ext uri="{FF2B5EF4-FFF2-40B4-BE49-F238E27FC236}">
+                <a16:creationId xmlns:a16="http://schemas.microsoft.com/office/drawing/2014/main" id="{BF67784C-CF8E-4A2C-836B-AC0FF353E39A}"/>
+              </a:ext>
+            </a:extLst>
+          </p:cNvPr>
+          <p:cNvSpPr>
+            <a:spLocks noGrp="1"/>
+          </p:cNvSpPr>
+          <p:nvPr>
+            <p:ph type="sldNum" sz="quarter" idx="12"/>
+          </p:nvPr>
+        </p:nvSpPr>
+        <p:spPr/>
+        <p:txBody>
+          <a:bodyPr/>
+          <a:lstStyle/>
+          <a:p>
+            <a:fld id="{294A09A9-5501-47C1-A89A-A340965A2BE2}" type="slidenum">
+              <a:rPr lang="en-US" smtClean="0"/>
+              <a:pPr/>
+              <a:t>10</a:t>
+            </a:fld>
+            <a:endParaRPr lang="en-US" dirty="0"/>
           </a:p>
         </p:txBody>
       </p:sp>
       <p:pic>
         <p:nvPicPr>
-          <p:cNvPr id="8" name="Content Placeholder 7">
-            <a:extLst>
-              <a:ext uri="{FF2B5EF4-FFF2-40B4-BE49-F238E27FC236}">
-                <a16:creationId xmlns:a16="http://schemas.microsoft.com/office/drawing/2014/main" id="{2C4A1D6B-B1B4-4786-854C-A12969693806}"/>
+          <p:cNvPr id="9" name="Picture 8">
+            <a:extLst>
+              <a:ext uri="{FF2B5EF4-FFF2-40B4-BE49-F238E27FC236}">
+                <a16:creationId xmlns:a16="http://schemas.microsoft.com/office/drawing/2014/main" id="{CBEAEA80-C50F-4F71-900F-3AA3581C1FD3}"/>
               </a:ext>
             </a:extLst>
           </p:cNvPr>
           <p:cNvPicPr>
-            <a:picLocks noGrp="1" noChangeAspect="1"/>
+            <a:picLocks noChangeAspect="1"/>
           </p:cNvPicPr>
-          <p:nvPr>
-            <p:ph idx="1"/>
-          </p:nvPr>
+          <p:nvPr/>
         </p:nvPicPr>
         <p:blipFill>
           <a:blip r:embed="rId2"/>
@@ -13050,45 +13081,18 @@
         </p:blipFill>
         <p:spPr>
           <a:xfrm>
-            <a:off x="1318695" y="1706563"/>
-            <a:ext cx="9476776" cy="4303713"/>
-          </a:xfrm>
+            <a:off x="1167492" y="2330994"/>
+            <a:ext cx="9103910" cy="4146006"/>
+          </a:xfrm>
+          <a:prstGeom prst="rect">
+            <a:avLst/>
+          </a:prstGeom>
         </p:spPr>
       </p:pic>
-      <p:sp>
-        <p:nvSpPr>
-          <p:cNvPr id="6" name="Slide Number Placeholder 5">
-            <a:extLst>
-              <a:ext uri="{FF2B5EF4-FFF2-40B4-BE49-F238E27FC236}">
-                <a16:creationId xmlns:a16="http://schemas.microsoft.com/office/drawing/2014/main" id="{BC0DEB8E-EC67-4B85-9CD5-1134B4241BE6}"/>
-              </a:ext>
-            </a:extLst>
-          </p:cNvPr>
-          <p:cNvSpPr>
-            <a:spLocks noGrp="1"/>
-          </p:cNvSpPr>
-          <p:nvPr>
-            <p:ph type="sldNum" sz="quarter" idx="4"/>
-          </p:nvPr>
-        </p:nvSpPr>
-        <p:spPr/>
-        <p:txBody>
-          <a:bodyPr/>
-          <a:lstStyle/>
-          <a:p>
-            <a:fld id="{294A09A9-5501-47C1-A89A-A340965A2BE2}" type="slidenum">
-              <a:rPr lang="en-US" smtClean="0"/>
-              <a:pPr/>
-              <a:t>10</a:t>
-            </a:fld>
-            <a:endParaRPr lang="en-US" dirty="0"/>
-          </a:p>
-        </p:txBody>
-      </p:sp>
     </p:spTree>
     <p:extLst>
       <p:ext uri="{BB962C8B-B14F-4D97-AF65-F5344CB8AC3E}">
-        <p14:creationId xmlns:p14="http://schemas.microsoft.com/office/powerpoint/2010/main" val="4106599367"/>
+        <p14:creationId xmlns:p14="http://schemas.microsoft.com/office/powerpoint/2010/main" val="2488309196"/>
       </p:ext>
     </p:extLst>
   </p:cSld>
@@ -13120,7 +13124,7 @@
           <p:cNvPr id="2" name="Title 1">
             <a:extLst>
               <a:ext uri="{FF2B5EF4-FFF2-40B4-BE49-F238E27FC236}">
-                <a16:creationId xmlns:a16="http://schemas.microsoft.com/office/drawing/2014/main" id="{8CDAB551-5A96-42E2-B88C-6B03D63DE721}"/>
+                <a16:creationId xmlns:a16="http://schemas.microsoft.com/office/drawing/2014/main" id="{24288254-9D75-40E4-AC54-14981B545FD8}"/>
               </a:ext>
             </a:extLst>
           </p:cNvPr>
@@ -13138,55 +13142,27 @@
           <a:p>
             <a:r>
               <a:rPr lang="en-US" dirty="0"/>
-              <a:t>Standard Scaling</a:t>
+              <a:t>Label Encoding</a:t>
             </a:r>
             <a:endParaRPr lang="en-IN" dirty="0"/>
-          </a:p>
-        </p:txBody>
-      </p:sp>
-      <p:sp>
-        <p:nvSpPr>
-          <p:cNvPr id="6" name="Slide Number Placeholder 5">
-            <a:extLst>
-              <a:ext uri="{FF2B5EF4-FFF2-40B4-BE49-F238E27FC236}">
-                <a16:creationId xmlns:a16="http://schemas.microsoft.com/office/drawing/2014/main" id="{D09923BC-286A-43A9-8A1C-4B5A7EDBBBB1}"/>
-              </a:ext>
-            </a:extLst>
-          </p:cNvPr>
-          <p:cNvSpPr>
-            <a:spLocks noGrp="1"/>
-          </p:cNvSpPr>
-          <p:nvPr>
-            <p:ph type="sldNum" sz="quarter" idx="4"/>
-          </p:nvPr>
-        </p:nvSpPr>
-        <p:spPr/>
-        <p:txBody>
-          <a:bodyPr/>
-          <a:lstStyle/>
-          <a:p>
-            <a:fld id="{294A09A9-5501-47C1-A89A-A340965A2BE2}" type="slidenum">
-              <a:rPr lang="en-US" smtClean="0"/>
-              <a:pPr/>
-              <a:t>11</a:t>
-            </a:fld>
-            <a:endParaRPr lang="en-US" dirty="0"/>
           </a:p>
         </p:txBody>
       </p:sp>
       <p:pic>
         <p:nvPicPr>
-          <p:cNvPr id="10" name="Picture 9">
-            <a:extLst>
-              <a:ext uri="{FF2B5EF4-FFF2-40B4-BE49-F238E27FC236}">
-                <a16:creationId xmlns:a16="http://schemas.microsoft.com/office/drawing/2014/main" id="{DBEFBDFA-5D0B-4D7B-A2FF-F95003E72165}"/>
+          <p:cNvPr id="8" name="Content Placeholder 7">
+            <a:extLst>
+              <a:ext uri="{FF2B5EF4-FFF2-40B4-BE49-F238E27FC236}">
+                <a16:creationId xmlns:a16="http://schemas.microsoft.com/office/drawing/2014/main" id="{2C4A1D6B-B1B4-4786-854C-A12969693806}"/>
               </a:ext>
             </a:extLst>
           </p:cNvPr>
           <p:cNvPicPr>
-            <a:picLocks noChangeAspect="1"/>
+            <a:picLocks noGrp="1" noChangeAspect="1"/>
           </p:cNvPicPr>
-          <p:nvPr/>
+          <p:nvPr>
+            <p:ph idx="1"/>
+          </p:nvPr>
         </p:nvPicPr>
         <p:blipFill>
           <a:blip r:embed="rId2"/>
@@ -13196,18 +13172,45 @@
         </p:blipFill>
         <p:spPr>
           <a:xfrm>
-            <a:off x="1167492" y="1706563"/>
-            <a:ext cx="9228259" cy="3882466"/>
-          </a:xfrm>
-          <a:prstGeom prst="rect">
-            <a:avLst/>
-          </a:prstGeom>
+            <a:off x="1318695" y="1706563"/>
+            <a:ext cx="9476776" cy="4303713"/>
+          </a:xfrm>
         </p:spPr>
       </p:pic>
+      <p:sp>
+        <p:nvSpPr>
+          <p:cNvPr id="6" name="Slide Number Placeholder 5">
+            <a:extLst>
+              <a:ext uri="{FF2B5EF4-FFF2-40B4-BE49-F238E27FC236}">
+                <a16:creationId xmlns:a16="http://schemas.microsoft.com/office/drawing/2014/main" id="{BC0DEB8E-EC67-4B85-9CD5-1134B4241BE6}"/>
+              </a:ext>
+            </a:extLst>
+          </p:cNvPr>
+          <p:cNvSpPr>
+            <a:spLocks noGrp="1"/>
+          </p:cNvSpPr>
+          <p:nvPr>
+            <p:ph type="sldNum" sz="quarter" idx="4"/>
+          </p:nvPr>
+        </p:nvSpPr>
+        <p:spPr/>
+        <p:txBody>
+          <a:bodyPr/>
+          <a:lstStyle/>
+          <a:p>
+            <a:fld id="{294A09A9-5501-47C1-A89A-A340965A2BE2}" type="slidenum">
+              <a:rPr lang="en-US" smtClean="0"/>
+              <a:pPr/>
+              <a:t>11</a:t>
+            </a:fld>
+            <a:endParaRPr lang="en-US" dirty="0"/>
+          </a:p>
+        </p:txBody>
+      </p:sp>
     </p:spTree>
     <p:extLst>
       <p:ext uri="{BB962C8B-B14F-4D97-AF65-F5344CB8AC3E}">
-        <p14:creationId xmlns:p14="http://schemas.microsoft.com/office/powerpoint/2010/main" val="3888601203"/>
+        <p14:creationId xmlns:p14="http://schemas.microsoft.com/office/powerpoint/2010/main" val="4106599367"/>
       </p:ext>
     </p:extLst>
   </p:cSld>
@@ -13239,7 +13242,7 @@
           <p:cNvPr id="2" name="Title 1">
             <a:extLst>
               <a:ext uri="{FF2B5EF4-FFF2-40B4-BE49-F238E27FC236}">
-                <a16:creationId xmlns:a16="http://schemas.microsoft.com/office/drawing/2014/main" id="{5397420B-0274-4E62-A237-D6A914E9B57C}"/>
+                <a16:creationId xmlns:a16="http://schemas.microsoft.com/office/drawing/2014/main" id="{8CDAB551-5A96-42E2-B88C-6B03D63DE721}"/>
               </a:ext>
             </a:extLst>
           </p:cNvPr>
@@ -13250,19 +13253,14 @@
             <p:ph type="title"/>
           </p:nvPr>
         </p:nvSpPr>
-        <p:spPr>
-          <a:xfrm>
-            <a:off x="1168217" y="638452"/>
-            <a:ext cx="9779183" cy="1325563"/>
-          </a:xfrm>
-        </p:spPr>
+        <p:spPr/>
         <p:txBody>
           <a:bodyPr/>
           <a:lstStyle/>
           <a:p>
             <a:r>
               <a:rPr lang="en-US" dirty="0"/>
-              <a:t>Separating Dependent and Independent Variable</a:t>
+              <a:t>Standard Scaling</a:t>
             </a:r>
             <a:endParaRPr lang="en-IN" dirty="0"/>
           </a:p>
@@ -13270,69 +13268,10 @@
       </p:sp>
       <p:sp>
         <p:nvSpPr>
-          <p:cNvPr id="4" name="Date Placeholder 3">
-            <a:extLst>
-              <a:ext uri="{FF2B5EF4-FFF2-40B4-BE49-F238E27FC236}">
-                <a16:creationId xmlns:a16="http://schemas.microsoft.com/office/drawing/2014/main" id="{E63933F7-A97E-4894-BD46-717036D17E94}"/>
-              </a:ext>
-            </a:extLst>
-          </p:cNvPr>
-          <p:cNvSpPr>
-            <a:spLocks noGrp="1"/>
-          </p:cNvSpPr>
-          <p:nvPr>
-            <p:ph type="dt" sz="half" idx="2"/>
-          </p:nvPr>
-        </p:nvSpPr>
-        <p:spPr/>
-        <p:txBody>
-          <a:bodyPr/>
-          <a:lstStyle/>
-          <a:p>
-            <a:fld id="{7E7AB22C-8B7E-9B4A-8C65-396C3C874D86}" type="datetime1">
-              <a:rPr lang="en-US" smtClean="0"/>
-              <a:pPr/>
-              <a:t>3/11/2022</a:t>
-            </a:fld>
-            <a:endParaRPr lang="en-US" dirty="0"/>
-          </a:p>
-        </p:txBody>
-      </p:sp>
-      <p:sp>
-        <p:nvSpPr>
-          <p:cNvPr id="5" name="Footer Placeholder 4">
-            <a:extLst>
-              <a:ext uri="{FF2B5EF4-FFF2-40B4-BE49-F238E27FC236}">
-                <a16:creationId xmlns:a16="http://schemas.microsoft.com/office/drawing/2014/main" id="{F01EB624-D035-49BC-8505-F98BDAE181BA}"/>
-              </a:ext>
-            </a:extLst>
-          </p:cNvPr>
-          <p:cNvSpPr>
-            <a:spLocks noGrp="1"/>
-          </p:cNvSpPr>
-          <p:nvPr>
-            <p:ph type="ftr" sz="quarter" idx="3"/>
-          </p:nvPr>
-        </p:nvSpPr>
-        <p:spPr/>
-        <p:txBody>
-          <a:bodyPr/>
-          <a:lstStyle/>
-          <a:p>
-            <a:r>
-              <a:rPr lang="en-US"/>
-              <a:t>PRESENTATION TITLE</a:t>
-            </a:r>
-            <a:endParaRPr lang="en-US" dirty="0"/>
-          </a:p>
-        </p:txBody>
-      </p:sp>
-      <p:sp>
-        <p:nvSpPr>
           <p:cNvPr id="6" name="Slide Number Placeholder 5">
             <a:extLst>
               <a:ext uri="{FF2B5EF4-FFF2-40B4-BE49-F238E27FC236}">
-                <a16:creationId xmlns:a16="http://schemas.microsoft.com/office/drawing/2014/main" id="{862915A5-BFCA-4027-B393-985E4608D17C}"/>
+                <a16:creationId xmlns:a16="http://schemas.microsoft.com/office/drawing/2014/main" id="{D09923BC-286A-43A9-8A1C-4B5A7EDBBBB1}"/>
               </a:ext>
             </a:extLst>
           </p:cNvPr>
@@ -13359,36 +13298,38 @@
       </p:sp>
       <p:pic>
         <p:nvPicPr>
-          <p:cNvPr id="12" name="Content Placeholder 11">
-            <a:extLst>
-              <a:ext uri="{FF2B5EF4-FFF2-40B4-BE49-F238E27FC236}">
-                <a16:creationId xmlns:a16="http://schemas.microsoft.com/office/drawing/2014/main" id="{4A1FCF31-E8BE-44A0-AB76-6FA30D2ADECF}"/>
+          <p:cNvPr id="10" name="Picture 9">
+            <a:extLst>
+              <a:ext uri="{FF2B5EF4-FFF2-40B4-BE49-F238E27FC236}">
+                <a16:creationId xmlns:a16="http://schemas.microsoft.com/office/drawing/2014/main" id="{DBEFBDFA-5D0B-4D7B-A2FF-F95003E72165}"/>
               </a:ext>
             </a:extLst>
           </p:cNvPr>
           <p:cNvPicPr>
-            <a:picLocks noGrp="1" noChangeAspect="1"/>
+            <a:picLocks noChangeAspect="1"/>
           </p:cNvPicPr>
-          <p:nvPr>
-            <p:ph idx="1"/>
-          </p:nvPr>
+          <p:nvPr/>
         </p:nvPicPr>
-        <p:blipFill rotWithShape="1">
+        <p:blipFill>
           <a:blip r:embed="rId2"/>
-          <a:srcRect t="32257" b="5462"/>
-          <a:stretch/>
+          <a:stretch>
+            <a:fillRect/>
+          </a:stretch>
         </p:blipFill>
         <p:spPr>
           <a:xfrm>
-            <a:off x="1166813" y="2956265"/>
-            <a:ext cx="9780587" cy="1325564"/>
-          </a:xfrm>
+            <a:off x="1167492" y="1706563"/>
+            <a:ext cx="9228259" cy="3882466"/>
+          </a:xfrm>
+          <a:prstGeom prst="rect">
+            <a:avLst/>
+          </a:prstGeom>
         </p:spPr>
       </p:pic>
     </p:spTree>
     <p:extLst>
       <p:ext uri="{BB962C8B-B14F-4D97-AF65-F5344CB8AC3E}">
-        <p14:creationId xmlns:p14="http://schemas.microsoft.com/office/powerpoint/2010/main" val="2460735579"/>
+        <p14:creationId xmlns:p14="http://schemas.microsoft.com/office/powerpoint/2010/main" val="3888601203"/>
       </p:ext>
     </p:extLst>
   </p:cSld>
@@ -13420,7 +13361,7 @@
           <p:cNvPr id="2" name="Title 1">
             <a:extLst>
               <a:ext uri="{FF2B5EF4-FFF2-40B4-BE49-F238E27FC236}">
-                <a16:creationId xmlns:a16="http://schemas.microsoft.com/office/drawing/2014/main" id="{FE634917-A308-489E-A10B-13A8F7BA6DD8}"/>
+                <a16:creationId xmlns:a16="http://schemas.microsoft.com/office/drawing/2014/main" id="{5397420B-0274-4E62-A237-D6A914E9B57C}"/>
               </a:ext>
             </a:extLst>
           </p:cNvPr>
@@ -13428,13 +13369,13 @@
             <a:spLocks noGrp="1"/>
           </p:cNvSpPr>
           <p:nvPr>
-            <p:ph type="ctrTitle"/>
+            <p:ph type="title"/>
           </p:nvPr>
         </p:nvSpPr>
         <p:spPr>
           <a:xfrm>
-            <a:off x="593176" y="420208"/>
-            <a:ext cx="6245912" cy="2387600"/>
+            <a:off x="1168217" y="638452"/>
+            <a:ext cx="9779183" cy="1325563"/>
           </a:xfrm>
         </p:spPr>
         <p:txBody>
@@ -13443,45 +13384,133 @@
           <a:p>
             <a:r>
               <a:rPr lang="en-US" dirty="0"/>
-              <a:t>Train Test Split</a:t>
+              <a:t>Separating Dependent and Independent Variable</a:t>
             </a:r>
             <a:endParaRPr lang="en-IN" dirty="0"/>
+          </a:p>
+        </p:txBody>
+      </p:sp>
+      <p:sp>
+        <p:nvSpPr>
+          <p:cNvPr id="4" name="Date Placeholder 3">
+            <a:extLst>
+              <a:ext uri="{FF2B5EF4-FFF2-40B4-BE49-F238E27FC236}">
+                <a16:creationId xmlns:a16="http://schemas.microsoft.com/office/drawing/2014/main" id="{E63933F7-A97E-4894-BD46-717036D17E94}"/>
+              </a:ext>
+            </a:extLst>
+          </p:cNvPr>
+          <p:cNvSpPr>
+            <a:spLocks noGrp="1"/>
+          </p:cNvSpPr>
+          <p:nvPr>
+            <p:ph type="dt" sz="half" idx="2"/>
+          </p:nvPr>
+        </p:nvSpPr>
+        <p:spPr/>
+        <p:txBody>
+          <a:bodyPr/>
+          <a:lstStyle/>
+          <a:p>
+            <a:fld id="{7E7AB22C-8B7E-9B4A-8C65-396C3C874D86}" type="datetime1">
+              <a:rPr lang="en-US" smtClean="0"/>
+              <a:pPr/>
+              <a:t>3/12/2022</a:t>
+            </a:fld>
+            <a:endParaRPr lang="en-US" dirty="0"/>
+          </a:p>
+        </p:txBody>
+      </p:sp>
+      <p:sp>
+        <p:nvSpPr>
+          <p:cNvPr id="5" name="Footer Placeholder 4">
+            <a:extLst>
+              <a:ext uri="{FF2B5EF4-FFF2-40B4-BE49-F238E27FC236}">
+                <a16:creationId xmlns:a16="http://schemas.microsoft.com/office/drawing/2014/main" id="{F01EB624-D035-49BC-8505-F98BDAE181BA}"/>
+              </a:ext>
+            </a:extLst>
+          </p:cNvPr>
+          <p:cNvSpPr>
+            <a:spLocks noGrp="1"/>
+          </p:cNvSpPr>
+          <p:nvPr>
+            <p:ph type="ftr" sz="quarter" idx="3"/>
+          </p:nvPr>
+        </p:nvSpPr>
+        <p:spPr/>
+        <p:txBody>
+          <a:bodyPr/>
+          <a:lstStyle/>
+          <a:p>
+            <a:r>
+              <a:rPr lang="en-US"/>
+              <a:t>PRESENTATION TITLE</a:t>
+            </a:r>
+            <a:endParaRPr lang="en-US" dirty="0"/>
+          </a:p>
+        </p:txBody>
+      </p:sp>
+      <p:sp>
+        <p:nvSpPr>
+          <p:cNvPr id="6" name="Slide Number Placeholder 5">
+            <a:extLst>
+              <a:ext uri="{FF2B5EF4-FFF2-40B4-BE49-F238E27FC236}">
+                <a16:creationId xmlns:a16="http://schemas.microsoft.com/office/drawing/2014/main" id="{862915A5-BFCA-4027-B393-985E4608D17C}"/>
+              </a:ext>
+            </a:extLst>
+          </p:cNvPr>
+          <p:cNvSpPr>
+            <a:spLocks noGrp="1"/>
+          </p:cNvSpPr>
+          <p:nvPr>
+            <p:ph type="sldNum" sz="quarter" idx="4"/>
+          </p:nvPr>
+        </p:nvSpPr>
+        <p:spPr/>
+        <p:txBody>
+          <a:bodyPr/>
+          <a:lstStyle/>
+          <a:p>
+            <a:fld id="{294A09A9-5501-47C1-A89A-A340965A2BE2}" type="slidenum">
+              <a:rPr lang="en-US" smtClean="0"/>
+              <a:pPr/>
+              <a:t>13</a:t>
+            </a:fld>
+            <a:endParaRPr lang="en-US" dirty="0"/>
           </a:p>
         </p:txBody>
       </p:sp>
       <p:pic>
         <p:nvPicPr>
-          <p:cNvPr id="5" name="Picture 4">
-            <a:extLst>
-              <a:ext uri="{FF2B5EF4-FFF2-40B4-BE49-F238E27FC236}">
-                <a16:creationId xmlns:a16="http://schemas.microsoft.com/office/drawing/2014/main" id="{A269B419-3EDC-4C1F-8DB0-1BC31747A661}"/>
+          <p:cNvPr id="12" name="Content Placeholder 11">
+            <a:extLst>
+              <a:ext uri="{FF2B5EF4-FFF2-40B4-BE49-F238E27FC236}">
+                <a16:creationId xmlns:a16="http://schemas.microsoft.com/office/drawing/2014/main" id="{4A1FCF31-E8BE-44A0-AB76-6FA30D2ADECF}"/>
               </a:ext>
             </a:extLst>
           </p:cNvPr>
           <p:cNvPicPr>
-            <a:picLocks noChangeAspect="1"/>
+            <a:picLocks noGrp="1" noChangeAspect="1"/>
           </p:cNvPicPr>
-          <p:nvPr/>
+          <p:nvPr>
+            <p:ph idx="1"/>
+          </p:nvPr>
         </p:nvPicPr>
         <p:blipFill rotWithShape="1">
           <a:blip r:embed="rId2"/>
-          <a:srcRect r="14251"/>
+          <a:srcRect t="32257" b="5462"/>
           <a:stretch/>
         </p:blipFill>
         <p:spPr>
           <a:xfrm>
-            <a:off x="593175" y="2972696"/>
-            <a:ext cx="7236929" cy="1200318"/>
-          </a:xfrm>
-          <a:prstGeom prst="rect">
-            <a:avLst/>
-          </a:prstGeom>
+            <a:off x="1166813" y="2956265"/>
+            <a:ext cx="9780587" cy="1325564"/>
+          </a:xfrm>
         </p:spPr>
       </p:pic>
     </p:spTree>
     <p:extLst>
       <p:ext uri="{BB962C8B-B14F-4D97-AF65-F5344CB8AC3E}">
-        <p14:creationId xmlns:p14="http://schemas.microsoft.com/office/powerpoint/2010/main" val="4100510063"/>
+        <p14:creationId xmlns:p14="http://schemas.microsoft.com/office/powerpoint/2010/main" val="2460735579"/>
       </p:ext>
     </p:extLst>
   </p:cSld>
@@ -13513,7 +13542,7 @@
           <p:cNvPr id="2" name="Title 1">
             <a:extLst>
               <a:ext uri="{FF2B5EF4-FFF2-40B4-BE49-F238E27FC236}">
-                <a16:creationId xmlns:a16="http://schemas.microsoft.com/office/drawing/2014/main" id="{D8F8E6D8-F5F9-4738-9F26-7F1C3C354760}"/>
+                <a16:creationId xmlns:a16="http://schemas.microsoft.com/office/drawing/2014/main" id="{FE634917-A308-489E-A10B-13A8F7BA6DD8}"/>
               </a:ext>
             </a:extLst>
           </p:cNvPr>
@@ -13521,152 +13550,60 @@
             <a:spLocks noGrp="1"/>
           </p:cNvSpPr>
           <p:nvPr>
-            <p:ph type="title"/>
+            <p:ph type="ctrTitle"/>
           </p:nvPr>
         </p:nvSpPr>
-        <p:spPr/>
+        <p:spPr>
+          <a:xfrm>
+            <a:off x="593176" y="420208"/>
+            <a:ext cx="6245912" cy="2387600"/>
+          </a:xfrm>
+        </p:spPr>
         <p:txBody>
           <a:bodyPr/>
           <a:lstStyle/>
           <a:p>
             <a:r>
               <a:rPr lang="en-US" dirty="0"/>
-              <a:t>Model Building</a:t>
+              <a:t>Train Test Split</a:t>
             </a:r>
             <a:endParaRPr lang="en-IN" dirty="0"/>
           </a:p>
         </p:txBody>
       </p:sp>
-      <p:sp>
-        <p:nvSpPr>
-          <p:cNvPr id="3" name="Content Placeholder 2">
-            <a:extLst>
-              <a:ext uri="{FF2B5EF4-FFF2-40B4-BE49-F238E27FC236}">
-                <a16:creationId xmlns:a16="http://schemas.microsoft.com/office/drawing/2014/main" id="{949B125C-EB0A-494C-81B3-C0A64FA8F4AE}"/>
-              </a:ext>
-            </a:extLst>
-          </p:cNvPr>
-          <p:cNvSpPr>
-            <a:spLocks noGrp="1"/>
-          </p:cNvSpPr>
-          <p:nvPr>
-            <p:ph idx="1"/>
-          </p:nvPr>
-        </p:nvSpPr>
-        <p:spPr/>
-        <p:txBody>
-          <a:bodyPr/>
-          <a:lstStyle/>
-          <a:p>
-            <a:pPr marL="457200" indent="-457200">
-              <a:buFont typeface="Wingdings" panose="05000000000000000000" pitchFamily="2" charset="2"/>
-              <a:buChar char="Ø"/>
-            </a:pPr>
-            <a:r>
-              <a:rPr lang="en-US" dirty="0"/>
-              <a:t>Linear Regression</a:t>
-            </a:r>
-            <a:endParaRPr lang="en-IN" dirty="0"/>
-          </a:p>
-          <a:p>
-            <a:pPr marL="457200" indent="-457200">
-              <a:buFont typeface="Wingdings" panose="05000000000000000000" pitchFamily="2" charset="2"/>
-              <a:buChar char="Ø"/>
-            </a:pPr>
-            <a:r>
-              <a:rPr lang="en-IN" dirty="0"/>
-              <a:t>Decision Tree Regressor</a:t>
-            </a:r>
-          </a:p>
-          <a:p>
-            <a:pPr marL="457200" indent="-457200">
-              <a:buFont typeface="Wingdings" panose="05000000000000000000" pitchFamily="2" charset="2"/>
-              <a:buChar char="Ø"/>
-            </a:pPr>
-            <a:r>
-              <a:rPr lang="en-IN" dirty="0"/>
-              <a:t>K-</a:t>
-            </a:r>
-            <a:r>
-              <a:rPr lang="en-IN" dirty="0" err="1"/>
-              <a:t>Neighbors</a:t>
-            </a:r>
-            <a:r>
-              <a:rPr lang="en-IN" dirty="0"/>
-              <a:t> Regressor</a:t>
-            </a:r>
-          </a:p>
-          <a:p>
-            <a:pPr marL="457200" indent="-457200">
-              <a:buFont typeface="Wingdings" panose="05000000000000000000" pitchFamily="2" charset="2"/>
-              <a:buChar char="Ø"/>
-            </a:pPr>
-            <a:r>
-              <a:rPr lang="en-IN" dirty="0" err="1"/>
-              <a:t>XGBoost</a:t>
-            </a:r>
-            <a:r>
-              <a:rPr lang="en-IN" dirty="0"/>
-              <a:t> Regressor</a:t>
-            </a:r>
-          </a:p>
-          <a:p>
-            <a:pPr marL="457200" indent="-457200">
-              <a:buFont typeface="Wingdings" panose="05000000000000000000" pitchFamily="2" charset="2"/>
-              <a:buChar char="Ø"/>
-            </a:pPr>
-            <a:r>
-              <a:rPr lang="en-IN" dirty="0"/>
-              <a:t>Random Forest Regressor</a:t>
-            </a:r>
-          </a:p>
-          <a:p>
-            <a:pPr marL="457200" indent="-457200">
-              <a:buFont typeface="Wingdings" panose="05000000000000000000" pitchFamily="2" charset="2"/>
-              <a:buChar char="Ø"/>
-            </a:pPr>
-            <a:r>
-              <a:rPr lang="en-IN" dirty="0"/>
-              <a:t>Gradient Boosting Regressor</a:t>
-            </a:r>
-            <a:endParaRPr lang="en-US" dirty="0"/>
-          </a:p>
-        </p:txBody>
-      </p:sp>
-      <p:sp>
-        <p:nvSpPr>
-          <p:cNvPr id="6" name="Slide Number Placeholder 5">
-            <a:extLst>
-              <a:ext uri="{FF2B5EF4-FFF2-40B4-BE49-F238E27FC236}">
-                <a16:creationId xmlns:a16="http://schemas.microsoft.com/office/drawing/2014/main" id="{61190D5B-E738-4608-B459-AE086DDAF81F}"/>
-              </a:ext>
-            </a:extLst>
-          </p:cNvPr>
-          <p:cNvSpPr>
-            <a:spLocks noGrp="1"/>
-          </p:cNvSpPr>
-          <p:nvPr>
-            <p:ph type="sldNum" sz="quarter" idx="4"/>
-          </p:nvPr>
-        </p:nvSpPr>
-        <p:spPr/>
-        <p:txBody>
-          <a:bodyPr/>
-          <a:lstStyle/>
-          <a:p>
-            <a:fld id="{294A09A9-5501-47C1-A89A-A340965A2BE2}" type="slidenum">
-              <a:rPr lang="en-US" smtClean="0"/>
-              <a:pPr/>
-              <a:t>14</a:t>
-            </a:fld>
-            <a:endParaRPr lang="en-US" dirty="0"/>
-          </a:p>
-        </p:txBody>
-      </p:sp>
+      <p:pic>
+        <p:nvPicPr>
+          <p:cNvPr id="5" name="Picture 4">
+            <a:extLst>
+              <a:ext uri="{FF2B5EF4-FFF2-40B4-BE49-F238E27FC236}">
+                <a16:creationId xmlns:a16="http://schemas.microsoft.com/office/drawing/2014/main" id="{A269B419-3EDC-4C1F-8DB0-1BC31747A661}"/>
+              </a:ext>
+            </a:extLst>
+          </p:cNvPr>
+          <p:cNvPicPr>
+            <a:picLocks noChangeAspect="1"/>
+          </p:cNvPicPr>
+          <p:nvPr/>
+        </p:nvPicPr>
+        <p:blipFill rotWithShape="1">
+          <a:blip r:embed="rId2"/>
+          <a:srcRect r="14251"/>
+          <a:stretch/>
+        </p:blipFill>
+        <p:spPr>
+          <a:xfrm>
+            <a:off x="593175" y="2972696"/>
+            <a:ext cx="7236929" cy="1200318"/>
+          </a:xfrm>
+          <a:prstGeom prst="rect">
+            <a:avLst/>
+          </a:prstGeom>
+        </p:spPr>
+      </p:pic>
     </p:spTree>
     <p:extLst>
       <p:ext uri="{BB962C8B-B14F-4D97-AF65-F5344CB8AC3E}">
-        <p14:creationId xmlns:p14="http://schemas.microsoft.com/office/powerpoint/2010/main" val="1345229355"/>
+        <p14:creationId xmlns:p14="http://schemas.microsoft.com/office/powerpoint/2010/main" val="4100510063"/>
       </p:ext>
     </p:extLst>
   </p:cSld>
@@ -13698,7 +13635,7 @@
           <p:cNvPr id="2" name="Title 1">
             <a:extLst>
               <a:ext uri="{FF2B5EF4-FFF2-40B4-BE49-F238E27FC236}">
-                <a16:creationId xmlns:a16="http://schemas.microsoft.com/office/drawing/2014/main" id="{3B8DE9B4-F86D-4743-AD05-B0DD33606F7E}"/>
+                <a16:creationId xmlns:a16="http://schemas.microsoft.com/office/drawing/2014/main" id="{D8F8E6D8-F5F9-4738-9F26-7F1C3C354760}"/>
               </a:ext>
             </a:extLst>
           </p:cNvPr>
@@ -13716,46 +13653,114 @@
           <a:p>
             <a:r>
               <a:rPr lang="en-US" dirty="0"/>
-              <a:t>Model Saving</a:t>
+              <a:t>Model Building</a:t>
             </a:r>
             <a:endParaRPr lang="en-IN" dirty="0"/>
           </a:p>
         </p:txBody>
       </p:sp>
-      <p:pic>
-        <p:nvPicPr>
-          <p:cNvPr id="8" name="Content Placeholder 7">
-            <a:extLst>
-              <a:ext uri="{FF2B5EF4-FFF2-40B4-BE49-F238E27FC236}">
-                <a16:creationId xmlns:a16="http://schemas.microsoft.com/office/drawing/2014/main" id="{A15AB95D-DA31-4409-81AD-6F2A02BDD5B3}"/>
-              </a:ext>
-            </a:extLst>
-          </p:cNvPr>
-          <p:cNvPicPr>
-            <a:picLocks noGrp="1" noChangeAspect="1"/>
-          </p:cNvPicPr>
+      <p:sp>
+        <p:nvSpPr>
+          <p:cNvPr id="3" name="Content Placeholder 2">
+            <a:extLst>
+              <a:ext uri="{FF2B5EF4-FFF2-40B4-BE49-F238E27FC236}">
+                <a16:creationId xmlns:a16="http://schemas.microsoft.com/office/drawing/2014/main" id="{949B125C-EB0A-494C-81B3-C0A64FA8F4AE}"/>
+              </a:ext>
+            </a:extLst>
+          </p:cNvPr>
+          <p:cNvSpPr>
+            <a:spLocks noGrp="1"/>
+          </p:cNvSpPr>
           <p:nvPr>
             <p:ph idx="1"/>
           </p:nvPr>
-        </p:nvPicPr>
-        <p:blipFill rotWithShape="1">
-          <a:blip r:embed="rId2"/>
-          <a:srcRect t="7832" b="-7832"/>
-          <a:stretch/>
-        </p:blipFill>
-        <p:spPr>
-          <a:xfrm>
-            <a:off x="1299954" y="2408884"/>
-            <a:ext cx="9780587" cy="1941174"/>
-          </a:xfrm>
-        </p:spPr>
-      </p:pic>
+        </p:nvSpPr>
+        <p:spPr/>
+        <p:txBody>
+          <a:bodyPr/>
+          <a:lstStyle/>
+          <a:p>
+            <a:pPr marL="457200" indent="-457200">
+              <a:buFont typeface="Wingdings" panose="05000000000000000000" pitchFamily="2" charset="2"/>
+              <a:buChar char="Ø"/>
+            </a:pPr>
+            <a:r>
+              <a:rPr lang="en-US" dirty="0"/>
+              <a:t>Linear Regression</a:t>
+            </a:r>
+            <a:endParaRPr lang="en-IN" dirty="0"/>
+          </a:p>
+          <a:p>
+            <a:pPr marL="457200" indent="-457200">
+              <a:buFont typeface="Wingdings" panose="05000000000000000000" pitchFamily="2" charset="2"/>
+              <a:buChar char="Ø"/>
+            </a:pPr>
+            <a:r>
+              <a:rPr lang="en-IN" dirty="0"/>
+              <a:t>Decision Tree Regressor</a:t>
+            </a:r>
+          </a:p>
+          <a:p>
+            <a:pPr marL="457200" indent="-457200">
+              <a:buFont typeface="Wingdings" panose="05000000000000000000" pitchFamily="2" charset="2"/>
+              <a:buChar char="Ø"/>
+            </a:pPr>
+            <a:r>
+              <a:rPr lang="en-IN" dirty="0"/>
+              <a:t>K-</a:t>
+            </a:r>
+            <a:r>
+              <a:rPr lang="en-IN" dirty="0" err="1"/>
+              <a:t>Neighbors</a:t>
+            </a:r>
+            <a:r>
+              <a:rPr lang="en-IN" dirty="0"/>
+              <a:t> Regressor</a:t>
+            </a:r>
+          </a:p>
+          <a:p>
+            <a:pPr marL="457200" indent="-457200">
+              <a:buFont typeface="Wingdings" panose="05000000000000000000" pitchFamily="2" charset="2"/>
+              <a:buChar char="Ø"/>
+            </a:pPr>
+            <a:r>
+              <a:rPr lang="en-IN" dirty="0" err="1"/>
+              <a:t>XGBoost</a:t>
+            </a:r>
+            <a:r>
+              <a:rPr lang="en-IN" dirty="0"/>
+              <a:t> Regressor</a:t>
+            </a:r>
+          </a:p>
+          <a:p>
+            <a:pPr marL="457200" indent="-457200">
+              <a:buFont typeface="Wingdings" panose="05000000000000000000" pitchFamily="2" charset="2"/>
+              <a:buChar char="Ø"/>
+            </a:pPr>
+            <a:r>
+              <a:rPr lang="en-IN" dirty="0"/>
+              <a:t>Random Forest Regressor</a:t>
+            </a:r>
+          </a:p>
+          <a:p>
+            <a:pPr marL="457200" indent="-457200">
+              <a:buFont typeface="Wingdings" panose="05000000000000000000" pitchFamily="2" charset="2"/>
+              <a:buChar char="Ø"/>
+            </a:pPr>
+            <a:r>
+              <a:rPr lang="en-IN" dirty="0"/>
+              <a:t>Gradient Boosting Regressor</a:t>
+            </a:r>
+            <a:endParaRPr lang="en-US" dirty="0"/>
+          </a:p>
+        </p:txBody>
+      </p:sp>
       <p:sp>
         <p:nvSpPr>
           <p:cNvPr id="6" name="Slide Number Placeholder 5">
             <a:extLst>
               <a:ext uri="{FF2B5EF4-FFF2-40B4-BE49-F238E27FC236}">
-                <a16:creationId xmlns:a16="http://schemas.microsoft.com/office/drawing/2014/main" id="{D4EB9A3B-5403-4FEC-B8E6-E2E605A6C6D8}"/>
+                <a16:creationId xmlns:a16="http://schemas.microsoft.com/office/drawing/2014/main" id="{61190D5B-E738-4608-B459-AE086DDAF81F}"/>
               </a:ext>
             </a:extLst>
           </p:cNvPr>
@@ -13783,7 +13788,7 @@
     </p:spTree>
     <p:extLst>
       <p:ext uri="{BB962C8B-B14F-4D97-AF65-F5344CB8AC3E}">
-        <p14:creationId xmlns:p14="http://schemas.microsoft.com/office/powerpoint/2010/main" val="343623565"/>
+        <p14:creationId xmlns:p14="http://schemas.microsoft.com/office/powerpoint/2010/main" val="1345229355"/>
       </p:ext>
     </p:extLst>
   </p:cSld>
@@ -13815,7 +13820,7 @@
           <p:cNvPr id="2" name="Title 1">
             <a:extLst>
               <a:ext uri="{FF2B5EF4-FFF2-40B4-BE49-F238E27FC236}">
-                <a16:creationId xmlns:a16="http://schemas.microsoft.com/office/drawing/2014/main" id="{8C543F67-9C70-4748-8C0C-3A7863422F99}"/>
+                <a16:creationId xmlns:a16="http://schemas.microsoft.com/office/drawing/2014/main" id="{888E53C7-81CC-4C21-B176-2CB868653519}"/>
               </a:ext>
             </a:extLst>
           </p:cNvPr>
@@ -13826,34 +13831,54 @@
             <p:ph type="title"/>
           </p:nvPr>
         </p:nvSpPr>
+        <p:spPr/>
+        <p:txBody>
+          <a:bodyPr/>
+          <a:lstStyle/>
+          <a:p>
+            <a:r>
+              <a:rPr lang="en-US" dirty="0"/>
+              <a:t>Accuracy Of Model</a:t>
+            </a:r>
+            <a:endParaRPr lang="en-IN" dirty="0"/>
+          </a:p>
+        </p:txBody>
+      </p:sp>
+      <p:pic>
+        <p:nvPicPr>
+          <p:cNvPr id="8" name="Content Placeholder 7">
+            <a:extLst>
+              <a:ext uri="{FF2B5EF4-FFF2-40B4-BE49-F238E27FC236}">
+                <a16:creationId xmlns:a16="http://schemas.microsoft.com/office/drawing/2014/main" id="{2D54F6E5-A5C1-490A-A972-C336BBB99DD7}"/>
+              </a:ext>
+            </a:extLst>
+          </p:cNvPr>
+          <p:cNvPicPr>
+            <a:picLocks noGrp="1" noChangeAspect="1"/>
+          </p:cNvPicPr>
+          <p:nvPr>
+            <p:ph idx="1"/>
+          </p:nvPr>
+        </p:nvPicPr>
+        <p:blipFill>
+          <a:blip r:embed="rId2"/>
+          <a:stretch>
+            <a:fillRect/>
+          </a:stretch>
+        </p:blipFill>
         <p:spPr>
           <a:xfrm>
-            <a:off x="1167492" y="381000"/>
-            <a:ext cx="9779183" cy="1325563"/>
-          </a:xfrm>
-        </p:spPr>
-        <p:txBody>
-          <a:bodyPr/>
-          <a:lstStyle/>
-          <a:p>
-            <a:r>
-              <a:rPr lang="en-US" sz="4800" b="1" dirty="0">
-                <a:effectLst/>
-                <a:latin typeface="Calibri" panose="020F0502020204030204" pitchFamily="34" charset="0"/>
-                <a:ea typeface="Times New Roman" panose="02020603050405020304" pitchFamily="18" charset="0"/>
-              </a:rPr>
-              <a:t>Deployment:</a:t>
-            </a:r>
-            <a:endParaRPr lang="en-US" dirty="0"/>
-          </a:p>
-        </p:txBody>
-      </p:sp>
-      <p:sp>
-        <p:nvSpPr>
-          <p:cNvPr id="3" name="Content Placeholder 2">
-            <a:extLst>
-              <a:ext uri="{FF2B5EF4-FFF2-40B4-BE49-F238E27FC236}">
-                <a16:creationId xmlns:a16="http://schemas.microsoft.com/office/drawing/2014/main" id="{95B371F2-DBA5-415A-82C8-651F587B857A}"/>
+            <a:off x="1167492" y="1706563"/>
+            <a:ext cx="10423874" cy="4129461"/>
+          </a:xfrm>
+        </p:spPr>
+      </p:pic>
+      <p:sp>
+        <p:nvSpPr>
+          <p:cNvPr id="6" name="Slide Number Placeholder 5">
+            <a:extLst>
+              <a:ext uri="{FF2B5EF4-FFF2-40B4-BE49-F238E27FC236}">
+                <a16:creationId xmlns:a16="http://schemas.microsoft.com/office/drawing/2014/main" id="{24F29FDF-EAD4-4C03-967E-486D721E7CCD}"/>
               </a:ext>
             </a:extLst>
           </p:cNvPr>
@@ -13861,92 +13886,10 @@
             <a:spLocks noGrp="1"/>
           </p:cNvSpPr>
           <p:nvPr>
-            <p:ph type="body" idx="1"/>
+            <p:ph type="sldNum" sz="quarter" idx="4"/>
           </p:nvPr>
         </p:nvSpPr>
-        <p:spPr>
-          <a:xfrm>
-            <a:off x="1167492" y="2653167"/>
-            <a:ext cx="9779183" cy="3436483"/>
-          </a:xfrm>
-        </p:spPr>
-        <p:txBody>
-          <a:bodyPr vert="horz" lIns="91440" tIns="45720" rIns="91440" bIns="45720" rtlCol="0" anchor="t">
-            <a:normAutofit/>
-          </a:bodyPr>
-          <a:lstStyle/>
-          <a:p>
-            <a:r>
-              <a:rPr lang="en-US" sz="2400" dirty="0">
-                <a:effectLst/>
-                <a:latin typeface="Calibri" panose="020F0502020204030204" pitchFamily="34" charset="0"/>
-                <a:ea typeface="Times New Roman" panose="02020603050405020304" pitchFamily="18" charset="0"/>
-              </a:rPr>
-              <a:t>The Cloud environment was set up and the project was deployed from GitHub into Heroku cloud platform.</a:t>
-            </a:r>
-            <a:endParaRPr lang="en-IN" sz="2400" dirty="0">
-              <a:effectLst/>
-              <a:latin typeface="Times New Roman" panose="02020603050405020304" pitchFamily="18" charset="0"/>
-              <a:ea typeface="Times New Roman" panose="02020603050405020304" pitchFamily="18" charset="0"/>
-            </a:endParaRPr>
-          </a:p>
-          <a:p>
-            <a:r>
-              <a:rPr lang="en-US" sz="2400" dirty="0">
-                <a:effectLst/>
-                <a:latin typeface="Calibri" panose="020F0502020204030204" pitchFamily="34" charset="0"/>
-                <a:ea typeface="Times New Roman" panose="02020603050405020304" pitchFamily="18" charset="0"/>
-              </a:rPr>
-              <a:t>App link- </a:t>
-            </a:r>
-            <a:r>
-              <a:rPr lang="en-US" sz="2400" dirty="0">
-                <a:solidFill>
-                  <a:schemeClr val="tx1"/>
-                </a:solidFill>
-                <a:effectLst/>
-                <a:latin typeface="Calibri" panose="020F0502020204030204" pitchFamily="34" charset="0"/>
-                <a:ea typeface="Times New Roman" panose="02020603050405020304" pitchFamily="18" charset="0"/>
-                <a:hlinkClick r:id="rId2">
-                  <a:extLst>
-                    <a:ext uri="{A12FA001-AC4F-418D-AE19-62706E023703}">
-                      <ahyp:hlinkClr xmlns:ahyp="http://schemas.microsoft.com/office/drawing/2018/hyperlinkcolor" val="tx"/>
-                    </a:ext>
-                  </a:extLst>
-                </a:hlinkClick>
-              </a:rPr>
-              <a:t>https://bigmartprediction147.herokuapp.com/</a:t>
-            </a:r>
-            <a:endParaRPr lang="en-US" dirty="0">
-              <a:solidFill>
-                <a:schemeClr val="tx1"/>
-              </a:solidFill>
-            </a:endParaRPr>
-          </a:p>
-        </p:txBody>
-      </p:sp>
-      <p:sp>
-        <p:nvSpPr>
-          <p:cNvPr id="6" name="Slide Number Placeholder 5">
-            <a:extLst>
-              <a:ext uri="{FF2B5EF4-FFF2-40B4-BE49-F238E27FC236}">
-                <a16:creationId xmlns:a16="http://schemas.microsoft.com/office/drawing/2014/main" id="{134C72D2-EFDF-844A-8472-CB49A59B127B}"/>
-              </a:ext>
-            </a:extLst>
-          </p:cNvPr>
-          <p:cNvSpPr>
-            <a:spLocks noGrp="1"/>
-          </p:cNvSpPr>
-          <p:nvPr>
-            <p:ph type="sldNum" sz="quarter" idx="12"/>
-          </p:nvPr>
-        </p:nvSpPr>
-        <p:spPr>
-          <a:xfrm>
-            <a:off x="10206318" y="6356350"/>
-            <a:ext cx="1604682" cy="365125"/>
-          </a:xfrm>
-        </p:spPr>
+        <p:spPr/>
         <p:txBody>
           <a:bodyPr/>
           <a:lstStyle/>
@@ -13963,7 +13906,7 @@
     </p:spTree>
     <p:extLst>
       <p:ext uri="{BB962C8B-B14F-4D97-AF65-F5344CB8AC3E}">
-        <p14:creationId xmlns:p14="http://schemas.microsoft.com/office/powerpoint/2010/main" val="1639799154"/>
+        <p14:creationId xmlns:p14="http://schemas.microsoft.com/office/powerpoint/2010/main" val="221664226"/>
       </p:ext>
     </p:extLst>
   </p:cSld>
@@ -13995,7 +13938,7 @@
           <p:cNvPr id="2" name="Title 1">
             <a:extLst>
               <a:ext uri="{FF2B5EF4-FFF2-40B4-BE49-F238E27FC236}">
-                <a16:creationId xmlns:a16="http://schemas.microsoft.com/office/drawing/2014/main" id="{69FAE308-3076-43DB-B834-DA0B0AE19AF9}"/>
+                <a16:creationId xmlns:a16="http://schemas.microsoft.com/office/drawing/2014/main" id="{3B8DE9B4-F86D-4743-AD05-B0DD33606F7E}"/>
               </a:ext>
             </a:extLst>
           </p:cNvPr>
@@ -14003,32 +13946,56 @@
             <a:spLocks noGrp="1"/>
           </p:cNvSpPr>
           <p:nvPr>
-            <p:ph type="ctrTitle"/>
+            <p:ph type="title"/>
           </p:nvPr>
         </p:nvSpPr>
+        <p:spPr/>
+        <p:txBody>
+          <a:bodyPr/>
+          <a:lstStyle/>
+          <a:p>
+            <a:r>
+              <a:rPr lang="en-US" dirty="0"/>
+              <a:t>Model Saving</a:t>
+            </a:r>
+            <a:endParaRPr lang="en-IN" dirty="0"/>
+          </a:p>
+        </p:txBody>
+      </p:sp>
+      <p:pic>
+        <p:nvPicPr>
+          <p:cNvPr id="8" name="Content Placeholder 7">
+            <a:extLst>
+              <a:ext uri="{FF2B5EF4-FFF2-40B4-BE49-F238E27FC236}">
+                <a16:creationId xmlns:a16="http://schemas.microsoft.com/office/drawing/2014/main" id="{A15AB95D-DA31-4409-81AD-6F2A02BDD5B3}"/>
+              </a:ext>
+            </a:extLst>
+          </p:cNvPr>
+          <p:cNvPicPr>
+            <a:picLocks noGrp="1" noChangeAspect="1"/>
+          </p:cNvPicPr>
+          <p:nvPr>
+            <p:ph idx="1"/>
+          </p:nvPr>
+        </p:nvPicPr>
+        <p:blipFill rotWithShape="1">
+          <a:blip r:embed="rId2"/>
+          <a:srcRect t="7832" b="-7832"/>
+          <a:stretch/>
+        </p:blipFill>
         <p:spPr>
           <a:xfrm>
-            <a:off x="1167494" y="1122363"/>
-            <a:ext cx="6220278" cy="2387600"/>
-          </a:xfrm>
-        </p:spPr>
-        <p:txBody>
-          <a:bodyPr/>
-          <a:lstStyle/>
-          <a:p>
-            <a:r>
-              <a:rPr lang="en-US" dirty="0"/>
-              <a:t>Thank You</a:t>
-            </a:r>
-          </a:p>
-        </p:txBody>
-      </p:sp>
-      <p:sp>
-        <p:nvSpPr>
-          <p:cNvPr id="3" name="Content Placeholder 2">
-            <a:extLst>
-              <a:ext uri="{FF2B5EF4-FFF2-40B4-BE49-F238E27FC236}">
-                <a16:creationId xmlns:a16="http://schemas.microsoft.com/office/drawing/2014/main" id="{BABC2CE0-8806-4B2A-A10A-32984D317434}"/>
+            <a:off x="1299954" y="2408884"/>
+            <a:ext cx="9780587" cy="1941174"/>
+          </a:xfrm>
+        </p:spPr>
+      </p:pic>
+      <p:sp>
+        <p:nvSpPr>
+          <p:cNvPr id="6" name="Slide Number Placeholder 5">
+            <a:extLst>
+              <a:ext uri="{FF2B5EF4-FFF2-40B4-BE49-F238E27FC236}">
+                <a16:creationId xmlns:a16="http://schemas.microsoft.com/office/drawing/2014/main" id="{D4EB9A3B-5403-4FEC-B8E6-E2E605A6C6D8}"/>
               </a:ext>
             </a:extLst>
           </p:cNvPr>
@@ -14036,29 +14003,323 @@
             <a:spLocks noGrp="1"/>
           </p:cNvSpPr>
           <p:nvPr>
-            <p:ph type="subTitle" idx="1"/>
+            <p:ph type="sldNum" sz="quarter" idx="4"/>
+          </p:nvPr>
+        </p:nvSpPr>
+        <p:spPr/>
+        <p:txBody>
+          <a:bodyPr/>
+          <a:lstStyle/>
+          <a:p>
+            <a:fld id="{294A09A9-5501-47C1-A89A-A340965A2BE2}" type="slidenum">
+              <a:rPr lang="en-US" smtClean="0"/>
+              <a:pPr/>
+              <a:t>17</a:t>
+            </a:fld>
+            <a:endParaRPr lang="en-US" dirty="0"/>
+          </a:p>
+        </p:txBody>
+      </p:sp>
+    </p:spTree>
+    <p:extLst>
+      <p:ext uri="{BB962C8B-B14F-4D97-AF65-F5344CB8AC3E}">
+        <p14:creationId xmlns:p14="http://schemas.microsoft.com/office/powerpoint/2010/main" val="343623565"/>
+      </p:ext>
+    </p:extLst>
+  </p:cSld>
+  <p:clrMapOvr>
+    <a:masterClrMapping/>
+  </p:clrMapOvr>
+</p:sld>
+</file>
+
+<file path=ppt/slides/slide18.xml><?xml version="1.0" encoding="utf-8"?>
+<p:sld xmlns:a="http://schemas.openxmlformats.org/drawingml/2006/main" xmlns:r="http://schemas.openxmlformats.org/officeDocument/2006/relationships" xmlns:p="http://schemas.openxmlformats.org/presentationml/2006/main">
+  <p:cSld>
+    <p:spTree>
+      <p:nvGrpSpPr>
+        <p:cNvPr id="1" name=""/>
+        <p:cNvGrpSpPr/>
+        <p:nvPr/>
+      </p:nvGrpSpPr>
+      <p:grpSpPr>
+        <a:xfrm>
+          <a:off x="0" y="0"/>
+          <a:ext cx="0" cy="0"/>
+          <a:chOff x="0" y="0"/>
+          <a:chExt cx="0" cy="0"/>
+        </a:xfrm>
+      </p:grpSpPr>
+      <p:sp>
+        <p:nvSpPr>
+          <p:cNvPr id="2" name="Title 1">
+            <a:extLst>
+              <a:ext uri="{FF2B5EF4-FFF2-40B4-BE49-F238E27FC236}">
+                <a16:creationId xmlns:a16="http://schemas.microsoft.com/office/drawing/2014/main" id="{7D43A447-1B4E-4B9F-8A3C-B0CC9B56A716}"/>
+              </a:ext>
+            </a:extLst>
+          </p:cNvPr>
+          <p:cNvSpPr>
+            <a:spLocks noGrp="1"/>
+          </p:cNvSpPr>
+          <p:nvPr>
+            <p:ph type="title"/>
           </p:nvPr>
         </p:nvSpPr>
         <p:spPr>
           <a:xfrm>
-            <a:off x="1167493" y="3602038"/>
-            <a:ext cx="6220277" cy="2247219"/>
-          </a:xfrm>
-        </p:spPr>
-        <p:txBody>
-          <a:bodyPr>
+            <a:off x="726141" y="329060"/>
+            <a:ext cx="6390538" cy="1055987"/>
+          </a:xfrm>
+        </p:spPr>
+        <p:txBody>
+          <a:bodyPr/>
+          <a:lstStyle/>
+          <a:p>
+            <a:pPr algn="l"/>
+            <a:r>
+              <a:rPr lang="en-US" b="1" dirty="0"/>
+              <a:t>API Using Flask</a:t>
+            </a:r>
+            <a:endParaRPr lang="en-IN" b="1" dirty="0"/>
+          </a:p>
+        </p:txBody>
+      </p:sp>
+      <p:sp>
+        <p:nvSpPr>
+          <p:cNvPr id="8" name="Slide Number Placeholder 7">
+            <a:extLst>
+              <a:ext uri="{FF2B5EF4-FFF2-40B4-BE49-F238E27FC236}">
+                <a16:creationId xmlns:a16="http://schemas.microsoft.com/office/drawing/2014/main" id="{7F1FCA32-9846-4683-88BA-37CC3032EC69}"/>
+              </a:ext>
+            </a:extLst>
+          </p:cNvPr>
+          <p:cNvSpPr>
+            <a:spLocks noGrp="1"/>
+          </p:cNvSpPr>
+          <p:nvPr>
+            <p:ph type="sldNum" sz="quarter" idx="12"/>
+          </p:nvPr>
+        </p:nvSpPr>
+        <p:spPr/>
+        <p:txBody>
+          <a:bodyPr/>
+          <a:lstStyle/>
+          <a:p>
+            <a:fld id="{294A09A9-5501-47C1-A89A-A340965A2BE2}" type="slidenum">
+              <a:rPr lang="en-US" smtClean="0"/>
+              <a:pPr/>
+              <a:t>18</a:t>
+            </a:fld>
+            <a:endParaRPr lang="en-US" dirty="0"/>
+          </a:p>
+        </p:txBody>
+      </p:sp>
+      <p:pic>
+        <p:nvPicPr>
+          <p:cNvPr id="10" name="Picture 9">
+            <a:extLst>
+              <a:ext uri="{FF2B5EF4-FFF2-40B4-BE49-F238E27FC236}">
+                <a16:creationId xmlns:a16="http://schemas.microsoft.com/office/drawing/2014/main" id="{8C584169-E07E-4393-9E0A-DCF17207D7DF}"/>
+              </a:ext>
+            </a:extLst>
+          </p:cNvPr>
+          <p:cNvPicPr>
+            <a:picLocks noChangeAspect="1"/>
+          </p:cNvPicPr>
+          <p:nvPr/>
+        </p:nvPicPr>
+        <p:blipFill rotWithShape="1">
+          <a:blip r:embed="rId2"/>
+          <a:srcRect t="221" r="10110" b="34230"/>
+          <a:stretch/>
+        </p:blipFill>
+        <p:spPr>
+          <a:xfrm>
+            <a:off x="726141" y="1624136"/>
+            <a:ext cx="10959353" cy="4493125"/>
+          </a:xfrm>
+          <a:prstGeom prst="rect">
+            <a:avLst/>
+          </a:prstGeom>
+        </p:spPr>
+      </p:pic>
+    </p:spTree>
+    <p:extLst>
+      <p:ext uri="{BB962C8B-B14F-4D97-AF65-F5344CB8AC3E}">
+        <p14:creationId xmlns:p14="http://schemas.microsoft.com/office/powerpoint/2010/main" val="2532448322"/>
+      </p:ext>
+    </p:extLst>
+  </p:cSld>
+  <p:clrMapOvr>
+    <a:masterClrMapping/>
+  </p:clrMapOvr>
+</p:sld>
+</file>
+
+<file path=ppt/slides/slide19.xml><?xml version="1.0" encoding="utf-8"?>
+<p:sld xmlns:a="http://schemas.openxmlformats.org/drawingml/2006/main" xmlns:r="http://schemas.openxmlformats.org/officeDocument/2006/relationships" xmlns:p="http://schemas.openxmlformats.org/presentationml/2006/main">
+  <p:cSld>
+    <p:spTree>
+      <p:nvGrpSpPr>
+        <p:cNvPr id="1" name=""/>
+        <p:cNvGrpSpPr/>
+        <p:nvPr/>
+      </p:nvGrpSpPr>
+      <p:grpSpPr>
+        <a:xfrm>
+          <a:off x="0" y="0"/>
+          <a:ext cx="0" cy="0"/>
+          <a:chOff x="0" y="0"/>
+          <a:chExt cx="0" cy="0"/>
+        </a:xfrm>
+      </p:grpSpPr>
+      <p:sp>
+        <p:nvSpPr>
+          <p:cNvPr id="2" name="Title 1">
+            <a:extLst>
+              <a:ext uri="{FF2B5EF4-FFF2-40B4-BE49-F238E27FC236}">
+                <a16:creationId xmlns:a16="http://schemas.microsoft.com/office/drawing/2014/main" id="{8C543F67-9C70-4748-8C0C-3A7863422F99}"/>
+              </a:ext>
+            </a:extLst>
+          </p:cNvPr>
+          <p:cNvSpPr>
+            <a:spLocks noGrp="1"/>
+          </p:cNvSpPr>
+          <p:nvPr>
+            <p:ph type="title"/>
+          </p:nvPr>
+        </p:nvSpPr>
+        <p:spPr>
+          <a:xfrm>
+            <a:off x="1167492" y="381000"/>
+            <a:ext cx="9779183" cy="1325563"/>
+          </a:xfrm>
+        </p:spPr>
+        <p:txBody>
+          <a:bodyPr/>
+          <a:lstStyle/>
+          <a:p>
+            <a:r>
+              <a:rPr lang="en-US" sz="4800" b="1" dirty="0">
+                <a:effectLst/>
+                <a:latin typeface="Calibri" panose="020F0502020204030204" pitchFamily="34" charset="0"/>
+                <a:ea typeface="Times New Roman" panose="02020603050405020304" pitchFamily="18" charset="0"/>
+              </a:rPr>
+              <a:t>Deployment:</a:t>
+            </a:r>
+            <a:endParaRPr lang="en-US" dirty="0"/>
+          </a:p>
+        </p:txBody>
+      </p:sp>
+      <p:sp>
+        <p:nvSpPr>
+          <p:cNvPr id="3" name="Content Placeholder 2">
+            <a:extLst>
+              <a:ext uri="{FF2B5EF4-FFF2-40B4-BE49-F238E27FC236}">
+                <a16:creationId xmlns:a16="http://schemas.microsoft.com/office/drawing/2014/main" id="{95B371F2-DBA5-415A-82C8-651F587B857A}"/>
+              </a:ext>
+            </a:extLst>
+          </p:cNvPr>
+          <p:cNvSpPr>
+            <a:spLocks noGrp="1"/>
+          </p:cNvSpPr>
+          <p:nvPr>
+            <p:ph type="body" idx="1"/>
+          </p:nvPr>
+        </p:nvSpPr>
+        <p:spPr>
+          <a:xfrm>
+            <a:off x="1167492" y="2653167"/>
+            <a:ext cx="9779183" cy="3436483"/>
+          </a:xfrm>
+        </p:spPr>
+        <p:txBody>
+          <a:bodyPr vert="horz" lIns="91440" tIns="45720" rIns="91440" bIns="45720" rtlCol="0" anchor="t">
             <a:normAutofit/>
           </a:bodyPr>
           <a:lstStyle/>
           <a:p>
             <a:r>
-              <a:rPr lang="en-US" dirty="0"/>
-              <a:t>Team Name :- Ex-</a:t>
-            </a:r>
-            <a:r>
-              <a:rPr lang="en-US" dirty="0" err="1"/>
-              <a:t>Holkarian</a:t>
-            </a:r>
+              <a:rPr lang="en-US" sz="2400" dirty="0">
+                <a:effectLst/>
+                <a:latin typeface="Calibri" panose="020F0502020204030204" pitchFamily="34" charset="0"/>
+                <a:ea typeface="Times New Roman" panose="02020603050405020304" pitchFamily="18" charset="0"/>
+              </a:rPr>
+              <a:t>The Cloud environment was set up and the project was deployed from GitHub into Heroku cloud platform.</a:t>
+            </a:r>
+            <a:endParaRPr lang="en-IN" sz="2400" dirty="0">
+              <a:effectLst/>
+              <a:latin typeface="Times New Roman" panose="02020603050405020304" pitchFamily="18" charset="0"/>
+              <a:ea typeface="Times New Roman" panose="02020603050405020304" pitchFamily="18" charset="0"/>
+            </a:endParaRPr>
+          </a:p>
+          <a:p>
+            <a:r>
+              <a:rPr lang="en-US" sz="2400" dirty="0">
+                <a:effectLst/>
+                <a:latin typeface="Calibri" panose="020F0502020204030204" pitchFamily="34" charset="0"/>
+                <a:ea typeface="Times New Roman" panose="02020603050405020304" pitchFamily="18" charset="0"/>
+              </a:rPr>
+              <a:t>App link- </a:t>
+            </a:r>
+            <a:r>
+              <a:rPr lang="en-US" sz="2400" dirty="0">
+                <a:solidFill>
+                  <a:schemeClr val="tx1"/>
+                </a:solidFill>
+                <a:effectLst/>
+                <a:latin typeface="Calibri" panose="020F0502020204030204" pitchFamily="34" charset="0"/>
+                <a:ea typeface="Times New Roman" panose="02020603050405020304" pitchFamily="18" charset="0"/>
+                <a:hlinkClick r:id="rId2">
+                  <a:extLst>
+                    <a:ext uri="{A12FA001-AC4F-418D-AE19-62706E023703}">
+                      <ahyp:hlinkClr xmlns:ahyp="http://schemas.microsoft.com/office/drawing/2018/hyperlinkcolor" val="tx"/>
+                    </a:ext>
+                  </a:extLst>
+                </a:hlinkClick>
+              </a:rPr>
+              <a:t>https://bigmartprediction147.herokuapp.com/</a:t>
+            </a:r>
+            <a:endParaRPr lang="en-US" dirty="0">
+              <a:solidFill>
+                <a:schemeClr val="tx1"/>
+              </a:solidFill>
+            </a:endParaRPr>
+          </a:p>
+        </p:txBody>
+      </p:sp>
+      <p:sp>
+        <p:nvSpPr>
+          <p:cNvPr id="6" name="Slide Number Placeholder 5">
+            <a:extLst>
+              <a:ext uri="{FF2B5EF4-FFF2-40B4-BE49-F238E27FC236}">
+                <a16:creationId xmlns:a16="http://schemas.microsoft.com/office/drawing/2014/main" id="{134C72D2-EFDF-844A-8472-CB49A59B127B}"/>
+              </a:ext>
+            </a:extLst>
+          </p:cNvPr>
+          <p:cNvSpPr>
+            <a:spLocks noGrp="1"/>
+          </p:cNvSpPr>
+          <p:nvPr>
+            <p:ph type="sldNum" sz="quarter" idx="12"/>
+          </p:nvPr>
+        </p:nvSpPr>
+        <p:spPr>
+          <a:xfrm>
+            <a:off x="10206318" y="6356350"/>
+            <a:ext cx="1604682" cy="365125"/>
+          </a:xfrm>
+        </p:spPr>
+        <p:txBody>
+          <a:bodyPr/>
+          <a:lstStyle/>
+          <a:p>
+            <a:fld id="{294A09A9-5501-47C1-A89A-A340965A2BE2}" type="slidenum">
+              <a:rPr lang="en-US" smtClean="0"/>
+              <a:pPr/>
+              <a:t>19</a:t>
+            </a:fld>
             <a:endParaRPr lang="en-US" dirty="0"/>
           </a:p>
         </p:txBody>
@@ -14066,7 +14327,7 @@
     </p:spTree>
     <p:extLst>
       <p:ext uri="{BB962C8B-B14F-4D97-AF65-F5344CB8AC3E}">
-        <p14:creationId xmlns:p14="http://schemas.microsoft.com/office/powerpoint/2010/main" val="926184573"/>
+        <p14:creationId xmlns:p14="http://schemas.microsoft.com/office/powerpoint/2010/main" val="1639799154"/>
       </p:ext>
     </p:extLst>
   </p:cSld>
@@ -14170,7 +14431,7 @@
         </p:spPr>
         <p:txBody>
           <a:bodyPr vert="horz" lIns="91440" tIns="45720" rIns="91440" bIns="45720" rtlCol="0" anchor="t">
-            <a:normAutofit lnSpcReduction="10000"/>
+            <a:normAutofit/>
           </a:bodyPr>
           <a:lstStyle/>
           <a:p>
@@ -14257,6 +14518,109 @@
     <p:extLst>
       <p:ext uri="{BB962C8B-B14F-4D97-AF65-F5344CB8AC3E}">
         <p14:creationId xmlns:p14="http://schemas.microsoft.com/office/powerpoint/2010/main" val="1325608595"/>
+      </p:ext>
+    </p:extLst>
+  </p:cSld>
+  <p:clrMapOvr>
+    <a:masterClrMapping/>
+  </p:clrMapOvr>
+</p:sld>
+</file>
+
+<file path=ppt/slides/slide20.xml><?xml version="1.0" encoding="utf-8"?>
+<p:sld xmlns:a="http://schemas.openxmlformats.org/drawingml/2006/main" xmlns:r="http://schemas.openxmlformats.org/officeDocument/2006/relationships" xmlns:p="http://schemas.openxmlformats.org/presentationml/2006/main">
+  <p:cSld>
+    <p:spTree>
+      <p:nvGrpSpPr>
+        <p:cNvPr id="1" name=""/>
+        <p:cNvGrpSpPr/>
+        <p:nvPr/>
+      </p:nvGrpSpPr>
+      <p:grpSpPr>
+        <a:xfrm>
+          <a:off x="0" y="0"/>
+          <a:ext cx="0" cy="0"/>
+          <a:chOff x="0" y="0"/>
+          <a:chExt cx="0" cy="0"/>
+        </a:xfrm>
+      </p:grpSpPr>
+      <p:sp>
+        <p:nvSpPr>
+          <p:cNvPr id="2" name="Title 1">
+            <a:extLst>
+              <a:ext uri="{FF2B5EF4-FFF2-40B4-BE49-F238E27FC236}">
+                <a16:creationId xmlns:a16="http://schemas.microsoft.com/office/drawing/2014/main" id="{69FAE308-3076-43DB-B834-DA0B0AE19AF9}"/>
+              </a:ext>
+            </a:extLst>
+          </p:cNvPr>
+          <p:cNvSpPr>
+            <a:spLocks noGrp="1"/>
+          </p:cNvSpPr>
+          <p:nvPr>
+            <p:ph type="ctrTitle"/>
+          </p:nvPr>
+        </p:nvSpPr>
+        <p:spPr>
+          <a:xfrm>
+            <a:off x="1167494" y="1122363"/>
+            <a:ext cx="6220278" cy="2387600"/>
+          </a:xfrm>
+        </p:spPr>
+        <p:txBody>
+          <a:bodyPr/>
+          <a:lstStyle/>
+          <a:p>
+            <a:r>
+              <a:rPr lang="en-US" dirty="0"/>
+              <a:t>Thank You</a:t>
+            </a:r>
+          </a:p>
+        </p:txBody>
+      </p:sp>
+      <p:sp>
+        <p:nvSpPr>
+          <p:cNvPr id="3" name="Content Placeholder 2">
+            <a:extLst>
+              <a:ext uri="{FF2B5EF4-FFF2-40B4-BE49-F238E27FC236}">
+                <a16:creationId xmlns:a16="http://schemas.microsoft.com/office/drawing/2014/main" id="{BABC2CE0-8806-4B2A-A10A-32984D317434}"/>
+              </a:ext>
+            </a:extLst>
+          </p:cNvPr>
+          <p:cNvSpPr>
+            <a:spLocks noGrp="1"/>
+          </p:cNvSpPr>
+          <p:nvPr>
+            <p:ph type="subTitle" idx="1"/>
+          </p:nvPr>
+        </p:nvSpPr>
+        <p:spPr>
+          <a:xfrm>
+            <a:off x="1167493" y="3602038"/>
+            <a:ext cx="6220277" cy="2247219"/>
+          </a:xfrm>
+        </p:spPr>
+        <p:txBody>
+          <a:bodyPr>
+            <a:normAutofit/>
+          </a:bodyPr>
+          <a:lstStyle/>
+          <a:p>
+            <a:r>
+              <a:rPr lang="en-US" dirty="0"/>
+              <a:t>Team Name :- Ex-</a:t>
+            </a:r>
+            <a:r>
+              <a:rPr lang="en-US" dirty="0" err="1"/>
+              <a:t>Holkarian</a:t>
+            </a:r>
+            <a:endParaRPr lang="en-US" dirty="0"/>
+          </a:p>
+        </p:txBody>
+      </p:sp>
+    </p:spTree>
+    <p:extLst>
+      <p:ext uri="{BB962C8B-B14F-4D97-AF65-F5344CB8AC3E}">
+        <p14:creationId xmlns:p14="http://schemas.microsoft.com/office/powerpoint/2010/main" val="926184573"/>
       </p:ext>
     </p:extLst>
   </p:cSld>
@@ -15018,7 +15382,7 @@
           <p:cNvPr id="2" name="Title 1">
             <a:extLst>
               <a:ext uri="{FF2B5EF4-FFF2-40B4-BE49-F238E27FC236}">
-                <a16:creationId xmlns:a16="http://schemas.microsoft.com/office/drawing/2014/main" id="{26F6E57C-D492-4C35-BA77-A4045A1B75F2}"/>
+                <a16:creationId xmlns:a16="http://schemas.microsoft.com/office/drawing/2014/main" id="{9CD86EC2-846B-4502-872D-B77EE353CA7A}"/>
               </a:ext>
             </a:extLst>
           </p:cNvPr>
@@ -15029,43 +15393,53 @@
             <p:ph type="title"/>
           </p:nvPr>
         </p:nvSpPr>
+        <p:spPr/>
+        <p:txBody>
+          <a:bodyPr/>
+          <a:lstStyle/>
+          <a:p>
+            <a:r>
+              <a:rPr lang="en-US" dirty="0"/>
+              <a:t>Importing Libraries</a:t>
+            </a:r>
+            <a:endParaRPr lang="en-IN" dirty="0"/>
+          </a:p>
+        </p:txBody>
+      </p:sp>
+      <p:pic>
+        <p:nvPicPr>
+          <p:cNvPr id="8" name="Content Placeholder 7">
+            <a:extLst>
+              <a:ext uri="{FF2B5EF4-FFF2-40B4-BE49-F238E27FC236}">
+                <a16:creationId xmlns:a16="http://schemas.microsoft.com/office/drawing/2014/main" id="{D4B36A7A-2D14-46DB-84DA-11BEE393CEE7}"/>
+              </a:ext>
+            </a:extLst>
+          </p:cNvPr>
+          <p:cNvPicPr>
+            <a:picLocks noGrp="1" noChangeAspect="1"/>
+          </p:cNvPicPr>
+          <p:nvPr>
+            <p:ph idx="1"/>
+          </p:nvPr>
+        </p:nvPicPr>
+        <p:blipFill rotWithShape="1">
+          <a:blip r:embed="rId2"/>
+          <a:srcRect t="5372"/>
+          <a:stretch/>
+        </p:blipFill>
         <p:spPr>
           <a:xfrm>
-            <a:off x="1167493" y="381001"/>
-            <a:ext cx="5881378" cy="648810"/>
-          </a:xfrm>
-        </p:spPr>
-        <p:txBody>
-          <a:bodyPr/>
-          <a:lstStyle/>
-          <a:p>
-            <a:r>
-              <a:rPr kumimoji="0" lang="en-US" altLang="en-US" sz="4000" b="1" i="0" strike="noStrike" cap="none" normalizeH="0" baseline="0" dirty="0">
-                <a:ln>
-                  <a:noFill/>
-                </a:ln>
-                <a:solidFill>
-                  <a:schemeClr val="accent1">
-                    <a:lumMod val="50000"/>
-                  </a:schemeClr>
-                </a:solidFill>
-                <a:effectLst/>
-                <a:latin typeface="Times New Roman" panose="02020603050405020304" pitchFamily="18" charset="0"/>
-                <a:ea typeface="Times New Roman" panose="02020603050405020304" pitchFamily="18" charset="0"/>
-                <a:cs typeface="Times New Roman" panose="02020603050405020304" pitchFamily="18" charset="0"/>
-              </a:rPr>
-              <a:t>Dataset</a:t>
-            </a:r>
-            <a:endParaRPr lang="en-IN" sz="4000" dirty="0"/>
-          </a:p>
-        </p:txBody>
-      </p:sp>
+            <a:off x="1166813" y="2070847"/>
+            <a:ext cx="10061481" cy="3079377"/>
+          </a:xfrm>
+        </p:spPr>
+      </p:pic>
       <p:sp>
         <p:nvSpPr>
           <p:cNvPr id="6" name="Slide Number Placeholder 5">
             <a:extLst>
               <a:ext uri="{FF2B5EF4-FFF2-40B4-BE49-F238E27FC236}">
-                <a16:creationId xmlns:a16="http://schemas.microsoft.com/office/drawing/2014/main" id="{62747E74-AF23-43E7-BBF3-E9B250B57395}"/>
+                <a16:creationId xmlns:a16="http://schemas.microsoft.com/office/drawing/2014/main" id="{ED5182D7-46C2-4B7B-9F5C-E820A3E7635B}"/>
               </a:ext>
             </a:extLst>
           </p:cNvPr>
@@ -15090,106 +15464,10 @@
           </a:p>
         </p:txBody>
       </p:sp>
-      <p:pic>
-        <p:nvPicPr>
-          <p:cNvPr id="7" name="Picture 27">
-            <a:extLst>
-              <a:ext uri="{FF2B5EF4-FFF2-40B4-BE49-F238E27FC236}">
-                <a16:creationId xmlns:a16="http://schemas.microsoft.com/office/drawing/2014/main" id="{0FBEE90D-8715-423D-B76E-EC600FFB86EF}"/>
-              </a:ext>
-            </a:extLst>
-          </p:cNvPr>
-          <p:cNvPicPr>
-            <a:picLocks noGrp="1" noChangeAspect="1" noChangeArrowheads="1"/>
-          </p:cNvPicPr>
-          <p:nvPr>
-            <p:ph idx="1"/>
-          </p:nvPr>
-        </p:nvPicPr>
-        <p:blipFill>
-          <a:blip r:embed="rId2">
-            <a:extLst>
-              <a:ext uri="{28A0092B-C50C-407E-A947-70E740481C1C}">
-                <a14:useLocalDpi xmlns:a14="http://schemas.microsoft.com/office/drawing/2010/main" val="0"/>
-              </a:ext>
-            </a:extLst>
-          </a:blip>
-          <a:srcRect/>
-          <a:stretch>
-            <a:fillRect/>
-          </a:stretch>
-        </p:blipFill>
-        <p:spPr bwMode="auto">
-          <a:xfrm>
-            <a:off x="1167494" y="1057753"/>
-            <a:ext cx="9174992" cy="2890290"/>
-          </a:xfrm>
-          <a:prstGeom prst="rect">
-            <a:avLst/>
-          </a:prstGeom>
-          <a:noFill/>
-          <a:extLst>
-            <a:ext uri="{909E8E84-426E-40DD-AFC4-6F175D3DCCD1}">
-              <a14:hiddenFill xmlns:a14="http://schemas.microsoft.com/office/drawing/2010/main">
-                <a:solidFill>
-                  <a:srgbClr val="FFFFFF"/>
-                </a:solidFill>
-              </a14:hiddenFill>
-            </a:ext>
-          </a:extLst>
-        </p:spPr>
-      </p:pic>
-      <p:pic>
-        <p:nvPicPr>
-          <p:cNvPr id="8" name="Picture 26">
-            <a:extLst>
-              <a:ext uri="{FF2B5EF4-FFF2-40B4-BE49-F238E27FC236}">
-                <a16:creationId xmlns:a16="http://schemas.microsoft.com/office/drawing/2014/main" id="{CB88FEB7-327B-4542-8903-7B65C5FDC987}"/>
-              </a:ext>
-            </a:extLst>
-          </p:cNvPr>
-          <p:cNvPicPr>
-            <a:picLocks noChangeAspect="1" noChangeArrowheads="1"/>
-          </p:cNvPicPr>
-          <p:nvPr/>
-        </p:nvPicPr>
-        <p:blipFill>
-          <a:blip r:embed="rId3">
-            <a:extLst>
-              <a:ext uri="{28A0092B-C50C-407E-A947-70E740481C1C}">
-                <a14:useLocalDpi xmlns:a14="http://schemas.microsoft.com/office/drawing/2010/main" val="0"/>
-              </a:ext>
-            </a:extLst>
-          </a:blip>
-          <a:srcRect/>
-          <a:stretch>
-            <a:fillRect/>
-          </a:stretch>
-        </p:blipFill>
-        <p:spPr bwMode="auto">
-          <a:xfrm>
-            <a:off x="1240432" y="3956921"/>
-            <a:ext cx="9121935" cy="1852204"/>
-          </a:xfrm>
-          <a:prstGeom prst="rect">
-            <a:avLst/>
-          </a:prstGeom>
-          <a:noFill/>
-          <a:extLst>
-            <a:ext uri="{909E8E84-426E-40DD-AFC4-6F175D3DCCD1}">
-              <a14:hiddenFill xmlns:a14="http://schemas.microsoft.com/office/drawing/2010/main">
-                <a:solidFill>
-                  <a:srgbClr val="FFFFFF"/>
-                </a:solidFill>
-              </a14:hiddenFill>
-            </a:ext>
-          </a:extLst>
-        </p:spPr>
-      </p:pic>
     </p:spTree>
     <p:extLst>
       <p:ext uri="{BB962C8B-B14F-4D97-AF65-F5344CB8AC3E}">
-        <p14:creationId xmlns:p14="http://schemas.microsoft.com/office/powerpoint/2010/main" val="4271576414"/>
+        <p14:creationId xmlns:p14="http://schemas.microsoft.com/office/powerpoint/2010/main" val="2041866726"/>
       </p:ext>
     </p:extLst>
   </p:cSld>
@@ -15221,7 +15499,7 @@
           <p:cNvPr id="2" name="Title 1">
             <a:extLst>
               <a:ext uri="{FF2B5EF4-FFF2-40B4-BE49-F238E27FC236}">
-                <a16:creationId xmlns:a16="http://schemas.microsoft.com/office/drawing/2014/main" id="{74F7EB2F-FDF0-4EF3-999F-DC1637D657B0}"/>
+                <a16:creationId xmlns:a16="http://schemas.microsoft.com/office/drawing/2014/main" id="{26F6E57C-D492-4C35-BA77-A4045A1B75F2}"/>
               </a:ext>
             </a:extLst>
           </p:cNvPr>
@@ -15232,56 +15510,34 @@
             <p:ph type="title"/>
           </p:nvPr>
         </p:nvSpPr>
-        <p:spPr/>
+        <p:spPr>
+          <a:xfrm>
+            <a:off x="1167493" y="381001"/>
+            <a:ext cx="5881378" cy="648810"/>
+          </a:xfrm>
+        </p:spPr>
         <p:txBody>
           <a:bodyPr/>
           <a:lstStyle/>
           <a:p>
             <a:r>
-              <a:rPr kumimoji="0" lang="en-US" altLang="en-US" sz="4000" i="0" u="none" strike="noStrike" cap="none" normalizeH="0" baseline="0" dirty="0">
+              <a:rPr kumimoji="0" lang="en-US" altLang="en-US" sz="4000" b="1" i="0" strike="noStrike" cap="none" normalizeH="0" baseline="0" dirty="0">
                 <a:ln>
                   <a:noFill/>
                 </a:ln>
                 <a:solidFill>
-                  <a:schemeClr val="tx1"/>
+                  <a:schemeClr val="accent1">
+                    <a:lumMod val="50000"/>
+                  </a:schemeClr>
                 </a:solidFill>
                 <a:effectLst/>
-                <a:latin typeface="Calibri" panose="020F0502020204030204" pitchFamily="34" charset="0"/>
+                <a:latin typeface="Times New Roman" panose="02020603050405020304" pitchFamily="18" charset="0"/>
                 <a:ea typeface="Times New Roman" panose="02020603050405020304" pitchFamily="18" charset="0"/>
-                <a:cs typeface="Calibri" panose="020F0502020204030204" pitchFamily="34" charset="0"/>
+                <a:cs typeface="Times New Roman" panose="02020603050405020304" pitchFamily="18" charset="0"/>
               </a:rPr>
-              <a:t>Dataset Info.</a:t>
-            </a:r>
-            <a:br>
-              <a:rPr kumimoji="0" lang="en-US" altLang="en-US" sz="2000" b="0" i="0" u="none" strike="noStrike" cap="none" normalizeH="0" baseline="0" dirty="0">
-                <a:ln>
-                  <a:noFill/>
-                </a:ln>
-                <a:solidFill>
-                  <a:schemeClr val="tx1"/>
-                </a:solidFill>
-                <a:effectLst/>
-                <a:latin typeface="Calibri" panose="020F0502020204030204" pitchFamily="34" charset="0"/>
-                <a:ea typeface="Times New Roman" panose="02020603050405020304" pitchFamily="18" charset="0"/>
-                <a:cs typeface="Calibri" panose="020F0502020204030204" pitchFamily="34" charset="0"/>
-              </a:rPr>
-            </a:br>
-            <a:r>
-              <a:rPr kumimoji="0" lang="en-US" altLang="en-US" sz="2000" b="0" i="0" u="none" strike="noStrike" cap="none" normalizeH="0" baseline="0" dirty="0">
-                <a:ln>
-                  <a:noFill/>
-                </a:ln>
-                <a:solidFill>
-                  <a:schemeClr val="tx1"/>
-                </a:solidFill>
-                <a:effectLst/>
-                <a:latin typeface="Calibri" panose="020F0502020204030204" pitchFamily="34" charset="0"/>
-                <a:ea typeface="Times New Roman" panose="02020603050405020304" pitchFamily="18" charset="0"/>
-                <a:cs typeface="Calibri" panose="020F0502020204030204" pitchFamily="34" charset="0"/>
-              </a:rPr>
-              <a:t>The data set consists of various data types from integer to float to object as shown in Fig.</a:t>
-            </a:r>
-            <a:endParaRPr lang="en-IN" sz="2000" dirty="0"/>
+              <a:t>Dataset</a:t>
+            </a:r>
+            <a:endParaRPr lang="en-IN" sz="4000" dirty="0"/>
           </a:p>
         </p:txBody>
       </p:sp>
@@ -15290,7 +15546,7 @@
           <p:cNvPr id="6" name="Slide Number Placeholder 5">
             <a:extLst>
               <a:ext uri="{FF2B5EF4-FFF2-40B4-BE49-F238E27FC236}">
-                <a16:creationId xmlns:a16="http://schemas.microsoft.com/office/drawing/2014/main" id="{8988F1DF-B7CC-4A14-AA17-D12D4E5097DF}"/>
+                <a16:creationId xmlns:a16="http://schemas.microsoft.com/office/drawing/2014/main" id="{62747E74-AF23-43E7-BBF3-E9B250B57395}"/>
               </a:ext>
             </a:extLst>
           </p:cNvPr>
@@ -15317,10 +15573,10 @@
       </p:sp>
       <p:pic>
         <p:nvPicPr>
-          <p:cNvPr id="7" name="Picture 14">
-            <a:extLst>
-              <a:ext uri="{FF2B5EF4-FFF2-40B4-BE49-F238E27FC236}">
-                <a16:creationId xmlns:a16="http://schemas.microsoft.com/office/drawing/2014/main" id="{832CC5A9-3C57-49D1-A582-2B91BC616572}"/>
+          <p:cNvPr id="7" name="Picture 27">
+            <a:extLst>
+              <a:ext uri="{FF2B5EF4-FFF2-40B4-BE49-F238E27FC236}">
+                <a16:creationId xmlns:a16="http://schemas.microsoft.com/office/drawing/2014/main" id="{0FBEE90D-8715-423D-B76E-EC600FFB86EF}"/>
               </a:ext>
             </a:extLst>
           </p:cNvPr>
@@ -15346,8 +15602,8 @@
         </p:blipFill>
         <p:spPr bwMode="auto">
           <a:xfrm>
-            <a:off x="1287262" y="2087563"/>
-            <a:ext cx="7936637" cy="4109051"/>
+            <a:off x="1167494" y="1057753"/>
+            <a:ext cx="9174992" cy="2890290"/>
           </a:xfrm>
           <a:prstGeom prst="rect">
             <a:avLst/>
@@ -15364,10 +15620,57 @@
           </a:extLst>
         </p:spPr>
       </p:pic>
+      <p:pic>
+        <p:nvPicPr>
+          <p:cNvPr id="8" name="Picture 26">
+            <a:extLst>
+              <a:ext uri="{FF2B5EF4-FFF2-40B4-BE49-F238E27FC236}">
+                <a16:creationId xmlns:a16="http://schemas.microsoft.com/office/drawing/2014/main" id="{CB88FEB7-327B-4542-8903-7B65C5FDC987}"/>
+              </a:ext>
+            </a:extLst>
+          </p:cNvPr>
+          <p:cNvPicPr>
+            <a:picLocks noChangeAspect="1" noChangeArrowheads="1"/>
+          </p:cNvPicPr>
+          <p:nvPr/>
+        </p:nvPicPr>
+        <p:blipFill>
+          <a:blip r:embed="rId3">
+            <a:extLst>
+              <a:ext uri="{28A0092B-C50C-407E-A947-70E740481C1C}">
+                <a14:useLocalDpi xmlns:a14="http://schemas.microsoft.com/office/drawing/2010/main" val="0"/>
+              </a:ext>
+            </a:extLst>
+          </a:blip>
+          <a:srcRect/>
+          <a:stretch>
+            <a:fillRect/>
+          </a:stretch>
+        </p:blipFill>
+        <p:spPr bwMode="auto">
+          <a:xfrm>
+            <a:off x="1240432" y="3956921"/>
+            <a:ext cx="9121935" cy="1852204"/>
+          </a:xfrm>
+          <a:prstGeom prst="rect">
+            <a:avLst/>
+          </a:prstGeom>
+          <a:noFill/>
+          <a:extLst>
+            <a:ext uri="{909E8E84-426E-40DD-AFC4-6F175D3DCCD1}">
+              <a14:hiddenFill xmlns:a14="http://schemas.microsoft.com/office/drawing/2010/main">
+                <a:solidFill>
+                  <a:srgbClr val="FFFFFF"/>
+                </a:solidFill>
+              </a14:hiddenFill>
+            </a:ext>
+          </a:extLst>
+        </p:spPr>
+      </p:pic>
     </p:spTree>
     <p:extLst>
       <p:ext uri="{BB962C8B-B14F-4D97-AF65-F5344CB8AC3E}">
-        <p14:creationId xmlns:p14="http://schemas.microsoft.com/office/powerpoint/2010/main" val="3879537199"/>
+        <p14:creationId xmlns:p14="http://schemas.microsoft.com/office/powerpoint/2010/main" val="4271576414"/>
       </p:ext>
     </p:extLst>
   </p:cSld>
@@ -15399,7 +15702,7 @@
           <p:cNvPr id="2" name="Title 1">
             <a:extLst>
               <a:ext uri="{FF2B5EF4-FFF2-40B4-BE49-F238E27FC236}">
-                <a16:creationId xmlns:a16="http://schemas.microsoft.com/office/drawing/2014/main" id="{FC070086-C827-4189-9239-88650D710922}"/>
+                <a16:creationId xmlns:a16="http://schemas.microsoft.com/office/drawing/2014/main" id="{74F7EB2F-FDF0-4EF3-999F-DC1637D657B0}"/>
               </a:ext>
             </a:extLst>
           </p:cNvPr>
@@ -15416,49 +15719,50 @@
           <a:lstStyle/>
           <a:p>
             <a:r>
-              <a:rPr lang="en-US" dirty="0"/>
-              <a:t>Correlation</a:t>
-            </a:r>
-            <a:endParaRPr lang="en-IN" dirty="0"/>
-          </a:p>
-        </p:txBody>
-      </p:sp>
-      <p:sp>
-        <p:nvSpPr>
-          <p:cNvPr id="3" name="Content Placeholder 2">
-            <a:extLst>
-              <a:ext uri="{FF2B5EF4-FFF2-40B4-BE49-F238E27FC236}">
-                <a16:creationId xmlns:a16="http://schemas.microsoft.com/office/drawing/2014/main" id="{C40BA15A-BF3C-472F-85F3-B582F165F5E6}"/>
-              </a:ext>
-            </a:extLst>
-          </p:cNvPr>
-          <p:cNvSpPr>
-            <a:spLocks noGrp="1"/>
-          </p:cNvSpPr>
-          <p:nvPr>
-            <p:ph idx="1"/>
-          </p:nvPr>
-        </p:nvSpPr>
-        <p:spPr>
-          <a:xfrm>
-            <a:off x="1167492" y="1889011"/>
-            <a:ext cx="4663440" cy="2828613"/>
-          </a:xfrm>
-        </p:spPr>
-        <p:txBody>
-          <a:bodyPr/>
-          <a:lstStyle/>
-          <a:p>
-            <a:pPr algn="just"/>
-            <a:r>
-              <a:rPr lang="en-US" sz="2400" dirty="0">
+              <a:rPr kumimoji="0" lang="en-US" altLang="en-US" sz="4000" i="0" u="none" strike="noStrike" cap="none" normalizeH="0" baseline="0" dirty="0">
+                <a:ln>
+                  <a:noFill/>
+                </a:ln>
+                <a:solidFill>
+                  <a:schemeClr val="tx1"/>
+                </a:solidFill>
                 <a:effectLst/>
                 <a:latin typeface="Calibri" panose="020F0502020204030204" pitchFamily="34" charset="0"/>
                 <a:ea typeface="Times New Roman" panose="02020603050405020304" pitchFamily="18" charset="0"/>
+                <a:cs typeface="Calibri" panose="020F0502020204030204" pitchFamily="34" charset="0"/>
               </a:rPr>
-              <a:t>Correlation is used to understand the relation between a target variable and predictors. In this work, Item-Sales is the target variable and its correlation with other variables is observed.</a:t>
-            </a:r>
-            <a:endParaRPr lang="en-IN" sz="2400" dirty="0"/>
+              <a:t>Dataset Info.</a:t>
+            </a:r>
+            <a:br>
+              <a:rPr kumimoji="0" lang="en-US" altLang="en-US" sz="2000" b="0" i="0" u="none" strike="noStrike" cap="none" normalizeH="0" baseline="0" dirty="0">
+                <a:ln>
+                  <a:noFill/>
+                </a:ln>
+                <a:solidFill>
+                  <a:schemeClr val="tx1"/>
+                </a:solidFill>
+                <a:effectLst/>
+                <a:latin typeface="Calibri" panose="020F0502020204030204" pitchFamily="34" charset="0"/>
+                <a:ea typeface="Times New Roman" panose="02020603050405020304" pitchFamily="18" charset="0"/>
+                <a:cs typeface="Calibri" panose="020F0502020204030204" pitchFamily="34" charset="0"/>
+              </a:rPr>
+            </a:br>
+            <a:r>
+              <a:rPr kumimoji="0" lang="en-US" altLang="en-US" sz="2000" b="0" i="0" u="none" strike="noStrike" cap="none" normalizeH="0" baseline="0" dirty="0">
+                <a:ln>
+                  <a:noFill/>
+                </a:ln>
+                <a:solidFill>
+                  <a:schemeClr val="tx1"/>
+                </a:solidFill>
+                <a:effectLst/>
+                <a:latin typeface="Calibri" panose="020F0502020204030204" pitchFamily="34" charset="0"/>
+                <a:ea typeface="Times New Roman" panose="02020603050405020304" pitchFamily="18" charset="0"/>
+                <a:cs typeface="Calibri" panose="020F0502020204030204" pitchFamily="34" charset="0"/>
+              </a:rPr>
+              <a:t>The data set consists of various data types from integer to float to object as shown in Fig.</a:t>
+            </a:r>
+            <a:endParaRPr lang="en-IN" sz="2000" dirty="0"/>
           </a:p>
         </p:txBody>
       </p:sp>
@@ -15467,7 +15771,7 @@
           <p:cNvPr id="6" name="Slide Number Placeholder 5">
             <a:extLst>
               <a:ext uri="{FF2B5EF4-FFF2-40B4-BE49-F238E27FC236}">
-                <a16:creationId xmlns:a16="http://schemas.microsoft.com/office/drawing/2014/main" id="{CA202A83-0F5B-4FDC-B2D5-0179001DD7D1}"/>
+                <a16:creationId xmlns:a16="http://schemas.microsoft.com/office/drawing/2014/main" id="{8988F1DF-B7CC-4A14-AA17-D12D4E5097DF}"/>
               </a:ext>
             </a:extLst>
           </p:cNvPr>
@@ -15494,18 +15798,18 @@
       </p:sp>
       <p:pic>
         <p:nvPicPr>
-          <p:cNvPr id="10" name="Content Placeholder 6">
-            <a:extLst>
-              <a:ext uri="{FF2B5EF4-FFF2-40B4-BE49-F238E27FC236}">
-                <a16:creationId xmlns:a16="http://schemas.microsoft.com/office/drawing/2014/main" id="{AF120ADC-EF90-41EB-865B-689C02F0AE77}"/>
+          <p:cNvPr id="7" name="Picture 14">
+            <a:extLst>
+              <a:ext uri="{FF2B5EF4-FFF2-40B4-BE49-F238E27FC236}">
+                <a16:creationId xmlns:a16="http://schemas.microsoft.com/office/drawing/2014/main" id="{832CC5A9-3C57-49D1-A582-2B91BC616572}"/>
               </a:ext>
             </a:extLst>
           </p:cNvPr>
           <p:cNvPicPr>
-            <a:picLocks noGrp="1"/>
+            <a:picLocks noGrp="1" noChangeAspect="1" noChangeArrowheads="1"/>
           </p:cNvPicPr>
           <p:nvPr>
-            <p:ph idx="10"/>
+            <p:ph idx="1"/>
           </p:nvPr>
         </p:nvPicPr>
         <p:blipFill>
@@ -15523,22 +15827,28 @@
         </p:blipFill>
         <p:spPr bwMode="auto">
           <a:xfrm>
-            <a:off x="6285390" y="1706562"/>
-            <a:ext cx="4739118" cy="3948513"/>
+            <a:off x="1287262" y="2087563"/>
+            <a:ext cx="7936637" cy="4109051"/>
           </a:xfrm>
           <a:prstGeom prst="rect">
             <a:avLst/>
           </a:prstGeom>
           <a:noFill/>
-          <a:ln>
-            <a:noFill/>
-          </a:ln>
+          <a:extLst>
+            <a:ext uri="{909E8E84-426E-40DD-AFC4-6F175D3DCCD1}">
+              <a14:hiddenFill xmlns:a14="http://schemas.microsoft.com/office/drawing/2010/main">
+                <a:solidFill>
+                  <a:srgbClr val="FFFFFF"/>
+                </a:solidFill>
+              </a14:hiddenFill>
+            </a:ext>
+          </a:extLst>
         </p:spPr>
       </p:pic>
     </p:spTree>
     <p:extLst>
       <p:ext uri="{BB962C8B-B14F-4D97-AF65-F5344CB8AC3E}">
-        <p14:creationId xmlns:p14="http://schemas.microsoft.com/office/powerpoint/2010/main" val="1149056635"/>
+        <p14:creationId xmlns:p14="http://schemas.microsoft.com/office/powerpoint/2010/main" val="3879537199"/>
       </p:ext>
     </p:extLst>
   </p:cSld>
@@ -15570,7 +15880,7 @@
           <p:cNvPr id="2" name="Title 1">
             <a:extLst>
               <a:ext uri="{FF2B5EF4-FFF2-40B4-BE49-F238E27FC236}">
-                <a16:creationId xmlns:a16="http://schemas.microsoft.com/office/drawing/2014/main" id="{239680CD-FF10-4BC0-A1ED-8332D89AB823}"/>
+                <a16:creationId xmlns:a16="http://schemas.microsoft.com/office/drawing/2014/main" id="{FC070086-C827-4189-9239-88650D710922}"/>
               </a:ext>
             </a:extLst>
           </p:cNvPr>
@@ -15588,7 +15898,7 @@
           <a:p>
             <a:r>
               <a:rPr lang="en-US" dirty="0"/>
-              <a:t>Handling Null Values</a:t>
+              <a:t>Correlation</a:t>
             </a:r>
             <a:endParaRPr lang="en-IN" dirty="0"/>
           </a:p>
@@ -15596,10 +15906,10 @@
       </p:sp>
       <p:sp>
         <p:nvSpPr>
-          <p:cNvPr id="6" name="Slide Number Placeholder 5">
-            <a:extLst>
-              <a:ext uri="{FF2B5EF4-FFF2-40B4-BE49-F238E27FC236}">
-                <a16:creationId xmlns:a16="http://schemas.microsoft.com/office/drawing/2014/main" id="{BF67784C-CF8E-4A2C-836B-AC0FF353E39A}"/>
+          <p:cNvPr id="3" name="Content Placeholder 2">
+            <a:extLst>
+              <a:ext uri="{FF2B5EF4-FFF2-40B4-BE49-F238E27FC236}">
+                <a16:creationId xmlns:a16="http://schemas.microsoft.com/office/drawing/2014/main" id="{C40BA15A-BF3C-472F-85F3-B582F165F5E6}"/>
               </a:ext>
             </a:extLst>
           </p:cNvPr>
@@ -15607,7 +15917,46 @@
             <a:spLocks noGrp="1"/>
           </p:cNvSpPr>
           <p:nvPr>
-            <p:ph type="sldNum" sz="quarter" idx="12"/>
+            <p:ph idx="1"/>
+          </p:nvPr>
+        </p:nvSpPr>
+        <p:spPr>
+          <a:xfrm>
+            <a:off x="1167492" y="1889011"/>
+            <a:ext cx="4663440" cy="2828613"/>
+          </a:xfrm>
+        </p:spPr>
+        <p:txBody>
+          <a:bodyPr/>
+          <a:lstStyle/>
+          <a:p>
+            <a:pPr algn="just"/>
+            <a:r>
+              <a:rPr lang="en-US" sz="2400" dirty="0">
+                <a:effectLst/>
+                <a:latin typeface="Calibri" panose="020F0502020204030204" pitchFamily="34" charset="0"/>
+                <a:ea typeface="Times New Roman" panose="02020603050405020304" pitchFamily="18" charset="0"/>
+              </a:rPr>
+              <a:t>Correlation is used to understand the relation between a target variable and predictors. In this work, Item-Sales is the target variable and its correlation with other variables is observed.</a:t>
+            </a:r>
+            <a:endParaRPr lang="en-IN" sz="2400" dirty="0"/>
+          </a:p>
+        </p:txBody>
+      </p:sp>
+      <p:sp>
+        <p:nvSpPr>
+          <p:cNvPr id="6" name="Slide Number Placeholder 5">
+            <a:extLst>
+              <a:ext uri="{FF2B5EF4-FFF2-40B4-BE49-F238E27FC236}">
+                <a16:creationId xmlns:a16="http://schemas.microsoft.com/office/drawing/2014/main" id="{CA202A83-0F5B-4FDC-B2D5-0179001DD7D1}"/>
+              </a:ext>
+            </a:extLst>
+          </p:cNvPr>
+          <p:cNvSpPr>
+            <a:spLocks noGrp="1"/>
+          </p:cNvSpPr>
+          <p:nvPr>
+            <p:ph type="sldNum" sz="quarter" idx="4"/>
           </p:nvPr>
         </p:nvSpPr>
         <p:spPr/>
@@ -15626,38 +15975,51 @@
       </p:sp>
       <p:pic>
         <p:nvPicPr>
-          <p:cNvPr id="9" name="Picture 8">
-            <a:extLst>
-              <a:ext uri="{FF2B5EF4-FFF2-40B4-BE49-F238E27FC236}">
-                <a16:creationId xmlns:a16="http://schemas.microsoft.com/office/drawing/2014/main" id="{CBEAEA80-C50F-4F71-900F-3AA3581C1FD3}"/>
+          <p:cNvPr id="10" name="Content Placeholder 6">
+            <a:extLst>
+              <a:ext uri="{FF2B5EF4-FFF2-40B4-BE49-F238E27FC236}">
+                <a16:creationId xmlns:a16="http://schemas.microsoft.com/office/drawing/2014/main" id="{AF120ADC-EF90-41EB-865B-689C02F0AE77}"/>
               </a:ext>
             </a:extLst>
           </p:cNvPr>
           <p:cNvPicPr>
-            <a:picLocks noChangeAspect="1"/>
+            <a:picLocks noGrp="1"/>
           </p:cNvPicPr>
-          <p:nvPr/>
+          <p:nvPr>
+            <p:ph idx="10"/>
+          </p:nvPr>
         </p:nvPicPr>
         <p:blipFill>
-          <a:blip r:embed="rId2"/>
+          <a:blip r:embed="rId2">
+            <a:extLst>
+              <a:ext uri="{28A0092B-C50C-407E-A947-70E740481C1C}">
+                <a14:useLocalDpi xmlns:a14="http://schemas.microsoft.com/office/drawing/2010/main" val="0"/>
+              </a:ext>
+            </a:extLst>
+          </a:blip>
+          <a:srcRect/>
           <a:stretch>
             <a:fillRect/>
           </a:stretch>
         </p:blipFill>
-        <p:spPr>
+        <p:spPr bwMode="auto">
           <a:xfrm>
-            <a:off x="1167492" y="2330994"/>
-            <a:ext cx="9103910" cy="4146006"/>
+            <a:off x="6285390" y="1706562"/>
+            <a:ext cx="4739118" cy="3948513"/>
           </a:xfrm>
           <a:prstGeom prst="rect">
             <a:avLst/>
           </a:prstGeom>
+          <a:noFill/>
+          <a:ln>
+            <a:noFill/>
+          </a:ln>
         </p:spPr>
       </p:pic>
     </p:spTree>
     <p:extLst>
       <p:ext uri="{BB962C8B-B14F-4D97-AF65-F5344CB8AC3E}">
-        <p14:creationId xmlns:p14="http://schemas.microsoft.com/office/powerpoint/2010/main" val="2488309196"/>
+        <p14:creationId xmlns:p14="http://schemas.microsoft.com/office/powerpoint/2010/main" val="1149056635"/>
       </p:ext>
     </p:extLst>
   </p:cSld>
@@ -16164,34 +16526,6 @@
 </file>
 
 <file path=customXml/item1.xml><?xml version="1.0" encoding="utf-8"?>
-<?mso-contentType ?>
-<FormTemplates xmlns="http://schemas.microsoft.com/sharepoint/v3/contenttype/forms">
-  <Display>DocumentLibraryForm</Display>
-  <Edit>DocumentLibraryForm</Edit>
-  <New>DocumentLibraryForm</New>
-</FormTemplates>
-</file>
-
-<file path=customXml/item2.xml><?xml version="1.0" encoding="utf-8"?>
-<p:properties xmlns:p="http://schemas.microsoft.com/office/2006/metadata/properties" xmlns:xsi="http://www.w3.org/2001/XMLSchema-instance" xmlns:pc="http://schemas.microsoft.com/office/infopath/2007/PartnerControls">
-  <documentManagement>
-    <_ip_UnifiedCompliancePolicyUIAction xmlns="http://schemas.microsoft.com/sharepoint/v3" xsi:nil="true"/>
-    <Image xmlns="71af3243-3dd4-4a8d-8c0d-dd76da1f02a5">
-      <Url xsi:nil="true"/>
-      <Description xsi:nil="true"/>
-    </Image>
-    <Status xmlns="71af3243-3dd4-4a8d-8c0d-dd76da1f02a5">Not started</Status>
-    <_ip_UnifiedCompliancePolicyProperties xmlns="http://schemas.microsoft.com/sharepoint/v3" xsi:nil="true"/>
-    <ImageTagsTaxHTField xmlns="71af3243-3dd4-4a8d-8c0d-dd76da1f02a5">
-      <Terms xmlns="http://schemas.microsoft.com/office/infopath/2007/PartnerControls"/>
-    </ImageTagsTaxHTField>
-    <TaxCatchAll xmlns="230e9df3-be65-4c73-a93b-d1236ebd677e"/>
-    <MediaServiceKeyPoints xmlns="71af3243-3dd4-4a8d-8c0d-dd76da1f02a5" xsi:nil="true"/>
-  </documentManagement>
-</p:properties>
-</file>
-
-<file path=customXml/item3.xml><?xml version="1.0" encoding="utf-8"?>
 <ct:contentTypeSchema xmlns:ct="http://schemas.microsoft.com/office/2006/metadata/contentType" xmlns:ma="http://schemas.microsoft.com/office/2006/metadata/properties/metaAttributes" ct:_="" ma:_="" ma:contentTypeName="Document" ma:contentTypeID="0x01010079F111ED35F8CC479449609E8A0923A6" ma:contentTypeVersion="21" ma:contentTypeDescription="Create a new document." ma:contentTypeScope="" ma:versionID="64dfb1555687e0874b4304b796b5b0c7">
   <xsd:schema xmlns:xsd="http://www.w3.org/2001/XMLSchema" xmlns:xs="http://www.w3.org/2001/XMLSchema" xmlns:p="http://schemas.microsoft.com/office/2006/metadata/properties" xmlns:ns1="http://schemas.microsoft.com/sharepoint/v3" xmlns:ns2="71af3243-3dd4-4a8d-8c0d-dd76da1f02a5" xmlns:ns3="16c05727-aa75-4e4a-9b5f-8a80a1165891" xmlns:ns4="230e9df3-be65-4c73-a93b-d1236ebd677e" targetNamespace="http://schemas.microsoft.com/office/2006/metadata/properties" ma:root="true" ma:fieldsID="e6e4c555b5e194d05b7203de9c4567b3" ns1:_="" ns2:_="" ns3:_="" ns4:_="">
     <xsd:import namespace="http://schemas.microsoft.com/sharepoint/v3"/>
@@ -16473,27 +16807,35 @@
 </ct:contentTypeSchema>
 </file>
 
-<file path=customXml/itemProps1.xml><?xml version="1.0" encoding="utf-8"?>
-<ds:datastoreItem xmlns:ds="http://schemas.openxmlformats.org/officeDocument/2006/customXml" ds:itemID="{85334180-0405-413B-834A-44FA9E05ADB7}">
-  <ds:schemaRefs>
-    <ds:schemaRef ds:uri="http://schemas.microsoft.com/sharepoint/v3/contenttype/forms"/>
-  </ds:schemaRefs>
-</ds:datastoreItem>
+<file path=customXml/item2.xml><?xml version="1.0" encoding="utf-8"?>
+<p:properties xmlns:p="http://schemas.microsoft.com/office/2006/metadata/properties" xmlns:xsi="http://www.w3.org/2001/XMLSchema-instance" xmlns:pc="http://schemas.microsoft.com/office/infopath/2007/PartnerControls">
+  <documentManagement>
+    <_ip_UnifiedCompliancePolicyUIAction xmlns="http://schemas.microsoft.com/sharepoint/v3" xsi:nil="true"/>
+    <Image xmlns="71af3243-3dd4-4a8d-8c0d-dd76da1f02a5">
+      <Url xsi:nil="true"/>
+      <Description xsi:nil="true"/>
+    </Image>
+    <Status xmlns="71af3243-3dd4-4a8d-8c0d-dd76da1f02a5">Not started</Status>
+    <_ip_UnifiedCompliancePolicyProperties xmlns="http://schemas.microsoft.com/sharepoint/v3" xsi:nil="true"/>
+    <ImageTagsTaxHTField xmlns="71af3243-3dd4-4a8d-8c0d-dd76da1f02a5">
+      <Terms xmlns="http://schemas.microsoft.com/office/infopath/2007/PartnerControls"/>
+    </ImageTagsTaxHTField>
+    <TaxCatchAll xmlns="230e9df3-be65-4c73-a93b-d1236ebd677e"/>
+    <MediaServiceKeyPoints xmlns="71af3243-3dd4-4a8d-8c0d-dd76da1f02a5" xsi:nil="true"/>
+  </documentManagement>
+</p:properties>
 </file>
 
-<file path=customXml/itemProps2.xml><?xml version="1.0" encoding="utf-8"?>
-<ds:datastoreItem xmlns:ds="http://schemas.openxmlformats.org/officeDocument/2006/customXml" ds:itemID="{4D5BAB77-79E1-4739-AA51-10C9079186D6}">
-  <ds:schemaRefs>
-    <ds:schemaRef ds:uri="http://schemas.microsoft.com/office/2006/metadata/properties"/>
-    <ds:schemaRef ds:uri="http://schemas.microsoft.com/office/infopath/2007/PartnerControls"/>
-    <ds:schemaRef ds:uri="http://schemas.microsoft.com/sharepoint/v3"/>
-    <ds:schemaRef ds:uri="71af3243-3dd4-4a8d-8c0d-dd76da1f02a5"/>
-    <ds:schemaRef ds:uri="230e9df3-be65-4c73-a93b-d1236ebd677e"/>
-  </ds:schemaRefs>
-</ds:datastoreItem>
+<file path=customXml/item3.xml><?xml version="1.0" encoding="utf-8"?>
+<?mso-contentType ?>
+<FormTemplates xmlns="http://schemas.microsoft.com/sharepoint/v3/contenttype/forms">
+  <Display>DocumentLibraryForm</Display>
+  <Edit>DocumentLibraryForm</Edit>
+  <New>DocumentLibraryForm</New>
+</FormTemplates>
 </file>
 
-<file path=customXml/itemProps3.xml><?xml version="1.0" encoding="utf-8"?>
+<file path=customXml/itemProps1.xml><?xml version="1.0" encoding="utf-8"?>
 <ds:datastoreItem xmlns:ds="http://schemas.openxmlformats.org/officeDocument/2006/customXml" ds:itemID="{4A615295-94F6-4CE2-A1B1-6B7E1DAA5AD6}">
   <ds:schemaRefs>
     <ds:schemaRef ds:uri="http://schemas.microsoft.com/office/2006/metadata/contentType"/>
@@ -16514,6 +16856,33 @@
 </ds:datastoreItem>
 </file>
 
+<file path=customXml/itemProps2.xml><?xml version="1.0" encoding="utf-8"?>
+<ds:datastoreItem xmlns:ds="http://schemas.openxmlformats.org/officeDocument/2006/customXml" ds:itemID="{4D5BAB77-79E1-4739-AA51-10C9079186D6}">
+  <ds:schemaRefs>
+    <ds:schemaRef ds:uri="230e9df3-be65-4c73-a93b-d1236ebd677e"/>
+    <ds:schemaRef ds:uri="http://purl.org/dc/elements/1.1/"/>
+    <ds:schemaRef ds:uri="http://schemas.microsoft.com/sharepoint/v3"/>
+    <ds:schemaRef ds:uri="http://schemas.microsoft.com/office/2006/metadata/properties"/>
+    <ds:schemaRef ds:uri="http://purl.org/dc/terms/"/>
+    <ds:schemaRef ds:uri="http://schemas.microsoft.com/office/2006/documentManagement/types"/>
+    <ds:schemaRef ds:uri="http://schemas.microsoft.com/office/infopath/2007/PartnerControls"/>
+    <ds:schemaRef ds:uri="71af3243-3dd4-4a8d-8c0d-dd76da1f02a5"/>
+    <ds:schemaRef ds:uri="http://schemas.openxmlformats.org/package/2006/metadata/core-properties"/>
+    <ds:schemaRef ds:uri="16c05727-aa75-4e4a-9b5f-8a80a1165891"/>
+    <ds:schemaRef ds:uri="http://www.w3.org/XML/1998/namespace"/>
+    <ds:schemaRef ds:uri="http://purl.org/dc/dcmitype/"/>
+  </ds:schemaRefs>
+</ds:datastoreItem>
+</file>
+
+<file path=customXml/itemProps3.xml><?xml version="1.0" encoding="utf-8"?>
+<ds:datastoreItem xmlns:ds="http://schemas.openxmlformats.org/officeDocument/2006/customXml" ds:itemID="{85334180-0405-413B-834A-44FA9E05ADB7}">
+  <ds:schemaRefs>
+    <ds:schemaRef ds:uri="http://schemas.microsoft.com/sharepoint/v3/contenttype/forms"/>
+  </ds:schemaRefs>
+</ds:datastoreItem>
+</file>
+
 <file path=docMetadata/LabelInfo.xml><?xml version="1.0" encoding="utf-8"?>
 <clbl:labelList xmlns:clbl="http://schemas.microsoft.com/office/2020/mipLabelMetadata">
   <clbl:label id="{f42aa342-8706-4288-bd11-ebb85995028c}" enabled="1" method="Standard" siteId="{72f988bf-86f1-41af-91ab-2d7cd011db47}" removed="0"/>
